--- a/lambda-lambda-lambda.pptx
+++ b/lambda-lambda-lambda.pptx
@@ -20,15 +20,21 @@
     <p:sldId id="276" r:id="rId14"/>
     <p:sldId id="277" r:id="rId15"/>
     <p:sldId id="278" r:id="rId16"/>
-    <p:sldId id="279" r:id="rId17"/>
-    <p:sldId id="280" r:id="rId18"/>
-    <p:sldId id="281" r:id="rId19"/>
-    <p:sldId id="283" r:id="rId20"/>
-    <p:sldId id="282" r:id="rId21"/>
-    <p:sldId id="284" r:id="rId22"/>
-    <p:sldId id="285" r:id="rId23"/>
-    <p:sldId id="286" r:id="rId24"/>
-    <p:sldId id="263" r:id="rId25"/>
+    <p:sldId id="290" r:id="rId17"/>
+    <p:sldId id="279" r:id="rId18"/>
+    <p:sldId id="280" r:id="rId19"/>
+    <p:sldId id="281" r:id="rId20"/>
+    <p:sldId id="287" r:id="rId21"/>
+    <p:sldId id="291" r:id="rId22"/>
+    <p:sldId id="288" r:id="rId23"/>
+    <p:sldId id="289" r:id="rId24"/>
+    <p:sldId id="283" r:id="rId25"/>
+    <p:sldId id="292" r:id="rId26"/>
+    <p:sldId id="282" r:id="rId27"/>
+    <p:sldId id="284" r:id="rId28"/>
+    <p:sldId id="285" r:id="rId29"/>
+    <p:sldId id="286" r:id="rId30"/>
+    <p:sldId id="263" r:id="rId31"/>
   </p:sldIdLst>
   <p:sldSz cx="9144000" cy="6858000" type="screen4x3"/>
   <p:notesSz cx="6858000" cy="9144000"/>
@@ -127,6 +133,22 @@
       </a:defRPr>
     </a:lvl9pPr>
   </p:defaultTextStyle>
+  <p:extLst>
+    <p:ext uri="{EFAFB233-063F-42B5-8137-9DF3F51BA10A}">
+      <p15:sldGuideLst xmlns:p15="http://schemas.microsoft.com/office/powerpoint/2012/main">
+        <p15:guide id="1" orient="horz" pos="2160">
+          <p15:clr>
+            <a:srgbClr val="A4A3A4"/>
+          </p15:clr>
+        </p15:guide>
+        <p15:guide id="2" pos="2880">
+          <p15:clr>
+            <a:srgbClr val="A4A3A4"/>
+          </p15:clr>
+        </p15:guide>
+      </p15:sldGuideLst>
+    </p:ext>
+  </p:extLst>
 </p:presentation>
 </file>
 
@@ -386,10 +408,9 @@
           </a:lstStyle>
           <a:p>
             <a:r>
-              <a:rPr kumimoji="0" lang="en-US" smtClean="0"/>
+              <a:rPr kumimoji="0" lang="en-US"/>
               <a:t>Click to edit Master subtitle style</a:t>
             </a:r>
-            <a:endParaRPr kumimoji="0" lang="en-US"/>
           </a:p>
         </p:txBody>
       </p:sp>
@@ -412,7 +433,7 @@
             <a:fld id="{9D21D778-B565-4D7E-94D7-64010A445B68}" type="datetimeFigureOut">
               <a:rPr lang="en-US" smtClean="0"/>
               <a:pPr eaLnBrk="1" latinLnBrk="0" hangingPunct="1"/>
-              <a:t>3/15/19</a:t>
+              <a:t>8/21/19</a:t>
             </a:fld>
             <a:endParaRPr lang="en-US"/>
           </a:p>
@@ -683,10 +704,9 @@
           </a:lstStyle>
           <a:p>
             <a:r>
-              <a:rPr kumimoji="0" lang="en-US" smtClean="0"/>
+              <a:rPr kumimoji="0" lang="en-US"/>
               <a:t>Click to edit Master title style</a:t>
             </a:r>
-            <a:endParaRPr kumimoji="0" lang="en-US"/>
           </a:p>
         </p:txBody>
       </p:sp>
@@ -736,10 +756,9 @@
           <a:lstStyle/>
           <a:p>
             <a:r>
-              <a:rPr kumimoji="0" lang="en-US" smtClean="0"/>
+              <a:rPr kumimoji="0" lang="en-US"/>
               <a:t>Click to edit Master title style</a:t>
             </a:r>
-            <a:endParaRPr kumimoji="0" lang="en-US"/>
           </a:p>
         </p:txBody>
       </p:sp>
@@ -760,35 +779,35 @@
           <a:p>
             <a:pPr lvl="0" eaLnBrk="1" latinLnBrk="0" hangingPunct="1"/>
             <a:r>
-              <a:rPr lang="en-US" smtClean="0"/>
+              <a:rPr lang="en-US"/>
               <a:t>Click to edit Master text styles</a:t>
             </a:r>
           </a:p>
           <a:p>
             <a:pPr lvl="1" eaLnBrk="1" latinLnBrk="0" hangingPunct="1"/>
             <a:r>
-              <a:rPr lang="en-US" smtClean="0"/>
+              <a:rPr lang="en-US"/>
               <a:t>Second level</a:t>
             </a:r>
           </a:p>
           <a:p>
             <a:pPr lvl="2" eaLnBrk="1" latinLnBrk="0" hangingPunct="1"/>
             <a:r>
-              <a:rPr lang="en-US" smtClean="0"/>
+              <a:rPr lang="en-US"/>
               <a:t>Third level</a:t>
             </a:r>
           </a:p>
           <a:p>
             <a:pPr lvl="3" eaLnBrk="1" latinLnBrk="0" hangingPunct="1"/>
             <a:r>
-              <a:rPr lang="en-US" smtClean="0"/>
+              <a:rPr lang="en-US"/>
               <a:t>Fourth level</a:t>
             </a:r>
           </a:p>
           <a:p>
             <a:pPr lvl="4" eaLnBrk="1" latinLnBrk="0" hangingPunct="1"/>
             <a:r>
-              <a:rPr lang="en-US" smtClean="0"/>
+              <a:rPr lang="en-US"/>
               <a:t>Fifth level</a:t>
             </a:r>
             <a:endParaRPr kumimoji="0" lang="en-US"/>
@@ -814,7 +833,7 @@
             <a:fld id="{9D21D778-B565-4D7E-94D7-64010A445B68}" type="datetimeFigureOut">
               <a:rPr lang="en-US" smtClean="0"/>
               <a:pPr eaLnBrk="1" latinLnBrk="0" hangingPunct="1"/>
-              <a:t>3/15/19</a:t>
+              <a:t>8/21/19</a:t>
             </a:fld>
             <a:endParaRPr lang="en-US"/>
           </a:p>
@@ -1296,35 +1315,35 @@
           <a:p>
             <a:pPr lvl="0" eaLnBrk="1" latinLnBrk="0" hangingPunct="1"/>
             <a:r>
-              <a:rPr lang="en-US" smtClean="0"/>
+              <a:rPr lang="en-US"/>
               <a:t>Click to edit Master text styles</a:t>
             </a:r>
           </a:p>
           <a:p>
             <a:pPr lvl="1" eaLnBrk="1" latinLnBrk="0" hangingPunct="1"/>
             <a:r>
-              <a:rPr lang="en-US" smtClean="0"/>
+              <a:rPr lang="en-US"/>
               <a:t>Second level</a:t>
             </a:r>
           </a:p>
           <a:p>
             <a:pPr lvl="2" eaLnBrk="1" latinLnBrk="0" hangingPunct="1"/>
             <a:r>
-              <a:rPr lang="en-US" smtClean="0"/>
+              <a:rPr lang="en-US"/>
               <a:t>Third level</a:t>
             </a:r>
           </a:p>
           <a:p>
             <a:pPr lvl="3" eaLnBrk="1" latinLnBrk="0" hangingPunct="1"/>
             <a:r>
-              <a:rPr lang="en-US" smtClean="0"/>
+              <a:rPr lang="en-US"/>
               <a:t>Fourth level</a:t>
             </a:r>
           </a:p>
           <a:p>
             <a:pPr lvl="4" eaLnBrk="1" latinLnBrk="0" hangingPunct="1"/>
             <a:r>
-              <a:rPr lang="en-US" smtClean="0"/>
+              <a:rPr lang="en-US"/>
               <a:t>Fifth level</a:t>
             </a:r>
             <a:endParaRPr kumimoji="0" lang="en-US"/>
@@ -1350,7 +1369,7 @@
             <a:fld id="{9D21D778-B565-4D7E-94D7-64010A445B68}" type="datetimeFigureOut">
               <a:rPr lang="en-US" smtClean="0"/>
               <a:pPr eaLnBrk="1" latinLnBrk="0" hangingPunct="1"/>
-              <a:t>3/15/19</a:t>
+              <a:t>8/21/19</a:t>
             </a:fld>
             <a:endParaRPr lang="en-US"/>
           </a:p>
@@ -1396,10 +1415,9 @@
           <a:lstStyle/>
           <a:p>
             <a:r>
-              <a:rPr kumimoji="0" lang="en-US" smtClean="0"/>
+              <a:rPr kumimoji="0" lang="en-US"/>
               <a:t>Click to edit Master title style</a:t>
             </a:r>
-            <a:endParaRPr kumimoji="0" lang="en-US"/>
           </a:p>
         </p:txBody>
       </p:sp>
@@ -1459,10 +1477,9 @@
           </a:lstStyle>
           <a:p>
             <a:r>
-              <a:rPr kumimoji="0" lang="en-US" smtClean="0"/>
+              <a:rPr kumimoji="0" lang="en-US"/>
               <a:t>Click to edit Master title style</a:t>
             </a:r>
-            <a:endParaRPr kumimoji="0" lang="en-US"/>
           </a:p>
         </p:txBody>
       </p:sp>
@@ -1485,7 +1502,7 @@
             <a:fld id="{9D21D778-B565-4D7E-94D7-64010A445B68}" type="datetimeFigureOut">
               <a:rPr lang="en-US" smtClean="0"/>
               <a:pPr eaLnBrk="1" latinLnBrk="0" hangingPunct="1"/>
-              <a:t>3/15/19</a:t>
+              <a:t>8/21/19</a:t>
             </a:fld>
             <a:endParaRPr lang="en-US"/>
           </a:p>
@@ -1561,35 +1578,35 @@
           <a:p>
             <a:pPr lvl="0" eaLnBrk="1" latinLnBrk="0" hangingPunct="1"/>
             <a:r>
-              <a:rPr lang="en-US" smtClean="0"/>
+              <a:rPr lang="en-US"/>
               <a:t>Click to edit Master text styles</a:t>
             </a:r>
           </a:p>
           <a:p>
             <a:pPr lvl="1" eaLnBrk="1" latinLnBrk="0" hangingPunct="1"/>
             <a:r>
-              <a:rPr lang="en-US" smtClean="0"/>
+              <a:rPr lang="en-US"/>
               <a:t>Second level</a:t>
             </a:r>
           </a:p>
           <a:p>
             <a:pPr lvl="2" eaLnBrk="1" latinLnBrk="0" hangingPunct="1"/>
             <a:r>
-              <a:rPr lang="en-US" smtClean="0"/>
+              <a:rPr lang="en-US"/>
               <a:t>Third level</a:t>
             </a:r>
           </a:p>
           <a:p>
             <a:pPr lvl="3" eaLnBrk="1" latinLnBrk="0" hangingPunct="1"/>
             <a:r>
-              <a:rPr lang="en-US" smtClean="0"/>
+              <a:rPr lang="en-US"/>
               <a:t>Fourth level</a:t>
             </a:r>
           </a:p>
           <a:p>
             <a:pPr lvl="4" eaLnBrk="1" latinLnBrk="0" hangingPunct="1"/>
             <a:r>
-              <a:rPr lang="en-US" smtClean="0"/>
+              <a:rPr lang="en-US"/>
               <a:t>Fifth level</a:t>
             </a:r>
             <a:endParaRPr kumimoji="0" lang="en-US"/>
@@ -1913,7 +1930,7 @@
           <a:p>
             <a:pPr lvl="0" eaLnBrk="1" latinLnBrk="0" hangingPunct="1"/>
             <a:r>
-              <a:rPr kumimoji="0" lang="en-US" smtClean="0"/>
+              <a:rPr kumimoji="0" lang="en-US"/>
               <a:t>Click to edit Master text styles</a:t>
             </a:r>
           </a:p>
@@ -2031,7 +2048,7 @@
             <a:fld id="{9D21D778-B565-4D7E-94D7-64010A445B68}" type="datetimeFigureOut">
               <a:rPr lang="en-US" smtClean="0"/>
               <a:pPr eaLnBrk="1" latinLnBrk="0" hangingPunct="1"/>
-              <a:t>3/15/19</a:t>
+              <a:t>8/21/19</a:t>
             </a:fld>
             <a:endParaRPr lang="en-US"/>
           </a:p>
@@ -2246,10 +2263,9 @@
           </a:lstStyle>
           <a:p>
             <a:r>
-              <a:rPr kumimoji="0" lang="en-US" smtClean="0"/>
+              <a:rPr kumimoji="0" lang="en-US"/>
               <a:t>Click to edit Master title style</a:t>
             </a:r>
-            <a:endParaRPr kumimoji="0" lang="en-US"/>
           </a:p>
         </p:txBody>
       </p:sp>
@@ -2304,10 +2320,9 @@
           <a:lstStyle/>
           <a:p>
             <a:r>
-              <a:rPr kumimoji="0" lang="en-US" smtClean="0"/>
+              <a:rPr kumimoji="0" lang="en-US"/>
               <a:t>Click to edit Master title style</a:t>
             </a:r>
-            <a:endParaRPr kumimoji="0" lang="en-US"/>
           </a:p>
         </p:txBody>
       </p:sp>
@@ -2335,7 +2350,7 @@
             <a:fld id="{9D21D778-B565-4D7E-94D7-64010A445B68}" type="datetimeFigureOut">
               <a:rPr lang="en-US" smtClean="0"/>
               <a:pPr eaLnBrk="1" latinLnBrk="0" hangingPunct="1"/>
-              <a:t>3/15/19</a:t>
+              <a:t>8/21/19</a:t>
             </a:fld>
             <a:endParaRPr lang="en-US"/>
           </a:p>
@@ -2446,35 +2461,35 @@
           <a:p>
             <a:pPr lvl="0" eaLnBrk="1" latinLnBrk="0" hangingPunct="1"/>
             <a:r>
-              <a:rPr lang="en-US" smtClean="0"/>
+              <a:rPr lang="en-US"/>
               <a:t>Click to edit Master text styles</a:t>
             </a:r>
           </a:p>
           <a:p>
             <a:pPr lvl="1" eaLnBrk="1" latinLnBrk="0" hangingPunct="1"/>
             <a:r>
-              <a:rPr lang="en-US" smtClean="0"/>
+              <a:rPr lang="en-US"/>
               <a:t>Second level</a:t>
             </a:r>
           </a:p>
           <a:p>
             <a:pPr lvl="2" eaLnBrk="1" latinLnBrk="0" hangingPunct="1"/>
             <a:r>
-              <a:rPr lang="en-US" smtClean="0"/>
+              <a:rPr lang="en-US"/>
               <a:t>Third level</a:t>
             </a:r>
           </a:p>
           <a:p>
             <a:pPr lvl="3" eaLnBrk="1" latinLnBrk="0" hangingPunct="1"/>
             <a:r>
-              <a:rPr lang="en-US" smtClean="0"/>
+              <a:rPr lang="en-US"/>
               <a:t>Fourth level</a:t>
             </a:r>
           </a:p>
           <a:p>
             <a:pPr lvl="4" eaLnBrk="1" latinLnBrk="0" hangingPunct="1"/>
             <a:r>
-              <a:rPr lang="en-US" smtClean="0"/>
+              <a:rPr lang="en-US"/>
               <a:t>Fifth level</a:t>
             </a:r>
             <a:endParaRPr kumimoji="0" lang="en-US"/>
@@ -2507,35 +2522,35 @@
           <a:p>
             <a:pPr lvl="0" eaLnBrk="1" latinLnBrk="0" hangingPunct="1"/>
             <a:r>
-              <a:rPr lang="en-US" smtClean="0"/>
+              <a:rPr lang="en-US"/>
               <a:t>Click to edit Master text styles</a:t>
             </a:r>
           </a:p>
           <a:p>
             <a:pPr lvl="1" eaLnBrk="1" latinLnBrk="0" hangingPunct="1"/>
             <a:r>
-              <a:rPr lang="en-US" smtClean="0"/>
+              <a:rPr lang="en-US"/>
               <a:t>Second level</a:t>
             </a:r>
           </a:p>
           <a:p>
             <a:pPr lvl="2" eaLnBrk="1" latinLnBrk="0" hangingPunct="1"/>
             <a:r>
-              <a:rPr lang="en-US" smtClean="0"/>
+              <a:rPr lang="en-US"/>
               <a:t>Third level</a:t>
             </a:r>
           </a:p>
           <a:p>
             <a:pPr lvl="3" eaLnBrk="1" latinLnBrk="0" hangingPunct="1"/>
             <a:r>
-              <a:rPr lang="en-US" smtClean="0"/>
+              <a:rPr lang="en-US"/>
               <a:t>Fourth level</a:t>
             </a:r>
           </a:p>
           <a:p>
             <a:pPr lvl="4" eaLnBrk="1" latinLnBrk="0" hangingPunct="1"/>
             <a:r>
-              <a:rPr lang="en-US" smtClean="0"/>
+              <a:rPr lang="en-US"/>
               <a:t>Fifth level</a:t>
             </a:r>
             <a:endParaRPr kumimoji="0" lang="en-US"/>
@@ -2902,7 +2917,7 @@
           <a:p>
             <a:pPr lvl="0" eaLnBrk="1" latinLnBrk="0" hangingPunct="1"/>
             <a:r>
-              <a:rPr kumimoji="0" lang="en-US" smtClean="0"/>
+              <a:rPr kumimoji="0" lang="en-US"/>
               <a:t>Click to edit Master text styles</a:t>
             </a:r>
           </a:p>
@@ -2972,7 +2987,7 @@
           <a:p>
             <a:pPr lvl="0" eaLnBrk="1" latinLnBrk="0" hangingPunct="1"/>
             <a:r>
-              <a:rPr kumimoji="0" lang="en-US" smtClean="0"/>
+              <a:rPr kumimoji="0" lang="en-US"/>
               <a:t>Click to edit Master text styles</a:t>
             </a:r>
           </a:p>
@@ -2997,7 +3012,7 @@
             <a:fld id="{9D21D778-B565-4D7E-94D7-64010A445B68}" type="datetimeFigureOut">
               <a:rPr lang="en-US" smtClean="0"/>
               <a:pPr eaLnBrk="1" latinLnBrk="0" hangingPunct="1"/>
-              <a:t>3/15/19</a:t>
+              <a:t>8/21/19</a:t>
             </a:fld>
             <a:endParaRPr lang="en-US"/>
           </a:p>
@@ -3125,35 +3140,35 @@
           <a:p>
             <a:pPr lvl="0" eaLnBrk="1" latinLnBrk="0" hangingPunct="1"/>
             <a:r>
-              <a:rPr lang="en-US" smtClean="0"/>
+              <a:rPr lang="en-US"/>
               <a:t>Click to edit Master text styles</a:t>
             </a:r>
           </a:p>
           <a:p>
             <a:pPr lvl="1" eaLnBrk="1" latinLnBrk="0" hangingPunct="1"/>
             <a:r>
-              <a:rPr lang="en-US" smtClean="0"/>
+              <a:rPr lang="en-US"/>
               <a:t>Second level</a:t>
             </a:r>
           </a:p>
           <a:p>
             <a:pPr lvl="2" eaLnBrk="1" latinLnBrk="0" hangingPunct="1"/>
             <a:r>
-              <a:rPr lang="en-US" smtClean="0"/>
+              <a:rPr lang="en-US"/>
               <a:t>Third level</a:t>
             </a:r>
           </a:p>
           <a:p>
             <a:pPr lvl="3" eaLnBrk="1" latinLnBrk="0" hangingPunct="1"/>
             <a:r>
-              <a:rPr lang="en-US" smtClean="0"/>
+              <a:rPr lang="en-US"/>
               <a:t>Fourth level</a:t>
             </a:r>
           </a:p>
           <a:p>
             <a:pPr lvl="4" eaLnBrk="1" latinLnBrk="0" hangingPunct="1"/>
             <a:r>
-              <a:rPr lang="en-US" smtClean="0"/>
+              <a:rPr lang="en-US"/>
               <a:t>Fifth level</a:t>
             </a:r>
             <a:endParaRPr kumimoji="0" lang="en-US"/>
@@ -3182,35 +3197,35 @@
           <a:p>
             <a:pPr lvl="0" eaLnBrk="1" latinLnBrk="0" hangingPunct="1"/>
             <a:r>
-              <a:rPr lang="en-US" smtClean="0"/>
+              <a:rPr lang="en-US"/>
               <a:t>Click to edit Master text styles</a:t>
             </a:r>
           </a:p>
           <a:p>
             <a:pPr lvl="1" eaLnBrk="1" latinLnBrk="0" hangingPunct="1"/>
             <a:r>
-              <a:rPr lang="en-US" smtClean="0"/>
+              <a:rPr lang="en-US"/>
               <a:t>Second level</a:t>
             </a:r>
           </a:p>
           <a:p>
             <a:pPr lvl="2" eaLnBrk="1" latinLnBrk="0" hangingPunct="1"/>
             <a:r>
-              <a:rPr lang="en-US" smtClean="0"/>
+              <a:rPr lang="en-US"/>
               <a:t>Third level</a:t>
             </a:r>
           </a:p>
           <a:p>
             <a:pPr lvl="3" eaLnBrk="1" latinLnBrk="0" hangingPunct="1"/>
             <a:r>
-              <a:rPr lang="en-US" smtClean="0"/>
+              <a:rPr lang="en-US"/>
               <a:t>Fourth level</a:t>
             </a:r>
           </a:p>
           <a:p>
             <a:pPr lvl="4" eaLnBrk="1" latinLnBrk="0" hangingPunct="1"/>
             <a:r>
-              <a:rPr lang="en-US" smtClean="0"/>
+              <a:rPr lang="en-US"/>
               <a:t>Fifth level</a:t>
             </a:r>
             <a:endParaRPr kumimoji="0" lang="en-US"/>
@@ -3363,10 +3378,9 @@
           <a:lstStyle/>
           <a:p>
             <a:r>
-              <a:rPr kumimoji="0" lang="en-US" smtClean="0"/>
+              <a:rPr kumimoji="0" lang="en-US"/>
               <a:t>Click to edit Master title style</a:t>
             </a:r>
-            <a:endParaRPr kumimoji="0" lang="en-US"/>
           </a:p>
         </p:txBody>
       </p:sp>
@@ -3411,10 +3425,9 @@
           <a:lstStyle/>
           <a:p>
             <a:r>
-              <a:rPr kumimoji="0" lang="en-US" smtClean="0"/>
+              <a:rPr kumimoji="0" lang="en-US"/>
               <a:t>Click to edit Master title style</a:t>
             </a:r>
-            <a:endParaRPr kumimoji="0" lang="en-US"/>
           </a:p>
         </p:txBody>
       </p:sp>
@@ -3437,7 +3450,7 @@
             <a:fld id="{9D21D778-B565-4D7E-94D7-64010A445B68}" type="datetimeFigureOut">
               <a:rPr lang="en-US" smtClean="0"/>
               <a:pPr eaLnBrk="1" latinLnBrk="0" hangingPunct="1"/>
-              <a:t>3/15/19</a:t>
+              <a:t>8/21/19</a:t>
             </a:fld>
             <a:endParaRPr lang="en-US"/>
           </a:p>
@@ -3753,7 +3766,7 @@
             <a:fld id="{9D21D778-B565-4D7E-94D7-64010A445B68}" type="datetimeFigureOut">
               <a:rPr lang="en-US" smtClean="0"/>
               <a:pPr eaLnBrk="1" latinLnBrk="0" hangingPunct="1"/>
-              <a:t>3/15/19</a:t>
+              <a:t>8/21/19</a:t>
             </a:fld>
             <a:endParaRPr lang="en-US"/>
           </a:p>
@@ -4107,10 +4120,9 @@
           </a:lstStyle>
           <a:p>
             <a:r>
-              <a:rPr kumimoji="0" lang="en-US" smtClean="0"/>
+              <a:rPr kumimoji="0" lang="en-US"/>
               <a:t>Click to edit Master title style</a:t>
             </a:r>
-            <a:endParaRPr kumimoji="0" lang="en-US"/>
           </a:p>
         </p:txBody>
       </p:sp>
@@ -4164,7 +4176,7 @@
           <a:p>
             <a:pPr lvl="0" eaLnBrk="1" latinLnBrk="0" hangingPunct="1"/>
             <a:r>
-              <a:rPr kumimoji="0" lang="en-US" smtClean="0"/>
+              <a:rPr kumimoji="0" lang="en-US"/>
               <a:t>Click to edit Master text styles</a:t>
             </a:r>
           </a:p>
@@ -4268,35 +4280,35 @@
           <a:p>
             <a:pPr lvl="0" eaLnBrk="1" latinLnBrk="0" hangingPunct="1"/>
             <a:r>
-              <a:rPr lang="en-US" smtClean="0"/>
+              <a:rPr lang="en-US"/>
               <a:t>Click to edit Master text styles</a:t>
             </a:r>
           </a:p>
           <a:p>
             <a:pPr lvl="1" eaLnBrk="1" latinLnBrk="0" hangingPunct="1"/>
             <a:r>
-              <a:rPr lang="en-US" smtClean="0"/>
+              <a:rPr lang="en-US"/>
               <a:t>Second level</a:t>
             </a:r>
           </a:p>
           <a:p>
             <a:pPr lvl="2" eaLnBrk="1" latinLnBrk="0" hangingPunct="1"/>
             <a:r>
-              <a:rPr lang="en-US" smtClean="0"/>
+              <a:rPr lang="en-US"/>
               <a:t>Third level</a:t>
             </a:r>
           </a:p>
           <a:p>
             <a:pPr lvl="3" eaLnBrk="1" latinLnBrk="0" hangingPunct="1"/>
             <a:r>
-              <a:rPr lang="en-US" smtClean="0"/>
+              <a:rPr lang="en-US"/>
               <a:t>Fourth level</a:t>
             </a:r>
           </a:p>
           <a:p>
             <a:pPr lvl="4" eaLnBrk="1" latinLnBrk="0" hangingPunct="1"/>
             <a:r>
-              <a:rPr lang="en-US" smtClean="0"/>
+              <a:rPr lang="en-US"/>
               <a:t>Fifth level</a:t>
             </a:r>
             <a:endParaRPr kumimoji="0" lang="en-US"/>
@@ -4499,7 +4511,7 @@
             <a:fld id="{9D21D778-B565-4D7E-94D7-64010A445B68}" type="datetimeFigureOut">
               <a:rPr lang="en-US" smtClean="0"/>
               <a:pPr eaLnBrk="1" latinLnBrk="0" hangingPunct="1"/>
-              <a:t>3/15/19</a:t>
+              <a:t>8/21/19</a:t>
             </a:fld>
             <a:endParaRPr lang="en-US"/>
           </a:p>
@@ -5013,10 +5025,9 @@
           </a:lstStyle>
           <a:p>
             <a:r>
-              <a:rPr kumimoji="0" lang="en-US" smtClean="0"/>
+              <a:rPr kumimoji="0" lang="en-US"/>
               <a:t>Click to edit Master title style</a:t>
             </a:r>
-            <a:endParaRPr kumimoji="0" lang="en-US"/>
           </a:p>
         </p:txBody>
       </p:sp>
@@ -5046,7 +5057,7 @@
           </a:lstStyle>
           <a:p>
             <a:r>
-              <a:rPr kumimoji="0" lang="en-US" smtClean="0"/>
+              <a:rPr kumimoji="0" lang="en-US"/>
               <a:t>Drag picture to placeholder or click icon to add</a:t>
             </a:r>
             <a:endParaRPr kumimoji="0" lang="en-US" dirty="0"/>
@@ -5100,7 +5111,7 @@
           <a:p>
             <a:pPr lvl="0" eaLnBrk="1" latinLnBrk="0" hangingPunct="1"/>
             <a:r>
-              <a:rPr kumimoji="0" lang="en-US" smtClean="0"/>
+              <a:rPr kumimoji="0" lang="en-US"/>
               <a:t>Click to edit Master text styles</a:t>
             </a:r>
           </a:p>
@@ -5166,7 +5177,7 @@
             <a:fld id="{9D21D778-B565-4D7E-94D7-64010A445B68}" type="datetimeFigureOut">
               <a:rPr lang="en-US" smtClean="0"/>
               <a:pPr eaLnBrk="1" latinLnBrk="0" hangingPunct="1"/>
-              <a:t>3/15/19</a:t>
+              <a:t>8/21/19</a:t>
             </a:fld>
             <a:endParaRPr lang="en-US" dirty="0"/>
           </a:p>
@@ -5441,7 +5452,7 @@
             <a:fld id="{9D21D778-B565-4D7E-94D7-64010A445B68}" type="datetimeFigureOut">
               <a:rPr lang="en-US" smtClean="0"/>
               <a:pPr algn="r" eaLnBrk="1" latinLnBrk="0" hangingPunct="1"/>
-              <a:t>3/15/19</a:t>
+              <a:t>8/21/19</a:t>
             </a:fld>
             <a:endParaRPr lang="en-US" sz="1400" dirty="0">
               <a:solidFill>
@@ -5740,10 +5751,9 @@
           <a:lstStyle/>
           <a:p>
             <a:r>
-              <a:rPr kumimoji="0" lang="en-US" smtClean="0"/>
+              <a:rPr kumimoji="0" lang="en-US"/>
               <a:t>Click to edit Master title style</a:t>
             </a:r>
-            <a:endParaRPr kumimoji="0" lang="en-US"/>
           </a:p>
         </p:txBody>
       </p:sp>
@@ -5774,38 +5784,37 @@
           <a:p>
             <a:pPr lvl="0" eaLnBrk="1" latinLnBrk="0" hangingPunct="1"/>
             <a:r>
-              <a:rPr kumimoji="0" lang="en-US" smtClean="0"/>
+              <a:rPr kumimoji="0" lang="en-US"/>
               <a:t>Click to edit Master text styles</a:t>
             </a:r>
           </a:p>
           <a:p>
             <a:pPr lvl="1" eaLnBrk="1" latinLnBrk="0" hangingPunct="1"/>
             <a:r>
-              <a:rPr kumimoji="0" lang="en-US" smtClean="0"/>
+              <a:rPr kumimoji="0" lang="en-US"/>
               <a:t>Second level</a:t>
             </a:r>
           </a:p>
           <a:p>
             <a:pPr lvl="2" eaLnBrk="1" latinLnBrk="0" hangingPunct="1"/>
             <a:r>
-              <a:rPr kumimoji="0" lang="en-US" smtClean="0"/>
+              <a:rPr kumimoji="0" lang="en-US"/>
               <a:t>Third level</a:t>
             </a:r>
           </a:p>
           <a:p>
             <a:pPr lvl="3" eaLnBrk="1" latinLnBrk="0" hangingPunct="1"/>
             <a:r>
-              <a:rPr kumimoji="0" lang="en-US" smtClean="0"/>
+              <a:rPr kumimoji="0" lang="en-US"/>
               <a:t>Fourth level</a:t>
             </a:r>
           </a:p>
           <a:p>
             <a:pPr lvl="4" eaLnBrk="1" latinLnBrk="0" hangingPunct="1"/>
             <a:r>
-              <a:rPr kumimoji="0" lang="en-US" smtClean="0"/>
+              <a:rPr kumimoji="0" lang="en-US"/>
               <a:t>Fifth level</a:t>
             </a:r>
-            <a:endParaRPr kumimoji="0" lang="en-US"/>
           </a:p>
         </p:txBody>
       </p:sp>
@@ -6154,61 +6163,68 @@
           <a:lstStyle/>
           <a:p>
             <a:r>
-              <a:rPr lang="en-US" dirty="0" smtClean="0"/>
-              <a:t>Chris </a:t>
-            </a:r>
-            <a:r>
-              <a:rPr lang="en-US" dirty="0" smtClean="0"/>
-              <a:t>Mitchell</a:t>
-            </a:r>
-          </a:p>
-          <a:p>
-            <a:r>
-              <a:rPr lang="en-US" dirty="0" smtClean="0"/>
-              <a:t>Programmer analyst E&amp; J Gallo Winery</a:t>
-            </a:r>
-            <a:endParaRPr lang="en-US" dirty="0" smtClean="0"/>
-          </a:p>
-          <a:p>
-            <a:r>
-              <a:rPr lang="en-US" dirty="0" smtClean="0"/>
+              <a:rPr lang="en-US" dirty="0"/>
+              <a:t>Chris Mitchell</a:t>
+            </a:r>
+          </a:p>
+          <a:p>
+            <a:endParaRPr lang="en-US" dirty="0"/>
+          </a:p>
+          <a:p>
+            <a:r>
+              <a:rPr lang="en-US" dirty="0"/>
+              <a:t>Programmer analyst </a:t>
+            </a:r>
+          </a:p>
+          <a:p>
+            <a:r>
+              <a:rPr lang="en-US" dirty="0"/>
+              <a:t>E&amp; J Gallo Winery</a:t>
+            </a:r>
+          </a:p>
+          <a:p>
+            <a:endParaRPr lang="en-US" dirty="0"/>
+          </a:p>
+          <a:p>
+            <a:r>
+              <a:rPr lang="en-US" dirty="0"/>
               <a:t>@</a:t>
             </a:r>
             <a:r>
-              <a:rPr lang="en-US" dirty="0" err="1" smtClean="0"/>
+              <a:rPr lang="en-US" dirty="0" err="1"/>
               <a:t>motobreath</a:t>
             </a:r>
-            <a:endParaRPr lang="en-US" dirty="0" smtClean="0"/>
-          </a:p>
-          <a:p>
-            <a:r>
-              <a:rPr lang="en-US" dirty="0" err="1" smtClean="0"/>
+            <a:endParaRPr lang="en-US" dirty="0"/>
+          </a:p>
+          <a:p>
+            <a:r>
+              <a:rPr lang="en-US" dirty="0" err="1"/>
               <a:t>Github.com</a:t>
             </a:r>
             <a:r>
-              <a:rPr lang="en-US" dirty="0" smtClean="0"/>
+              <a:rPr lang="en-US" dirty="0"/>
               <a:t>/</a:t>
             </a:r>
             <a:r>
-              <a:rPr lang="en-US" dirty="0" err="1" smtClean="0"/>
+              <a:rPr lang="en-US" dirty="0" err="1"/>
               <a:t>motobreath</a:t>
             </a:r>
-            <a:endParaRPr lang="en-US" dirty="0" smtClean="0"/>
-          </a:p>
-          <a:p>
-            <a:r>
-              <a:rPr lang="en-US" dirty="0" err="1" smtClean="0"/>
+            <a:endParaRPr lang="en-US" dirty="0"/>
+          </a:p>
+          <a:p>
+            <a:r>
+              <a:rPr lang="en-US" dirty="0" err="1"/>
               <a:t>Blog.chrismitchellonline.com</a:t>
             </a:r>
-            <a:endParaRPr lang="en-US" dirty="0" smtClean="0"/>
-          </a:p>
-          <a:p>
-            <a:r>
-              <a:rPr lang="en-US" dirty="0" err="1" smtClean="0"/>
-              <a:t>chris@chrismitchellonline</a:t>
-            </a:r>
             <a:endParaRPr lang="en-US" dirty="0"/>
           </a:p>
+          <a:p>
+            <a:r>
+              <a:rPr lang="en-US" dirty="0" err="1"/>
+              <a:t>chris@chrismitchellonline.com</a:t>
+            </a:r>
+            <a:endParaRPr lang="en-US" dirty="0"/>
+          </a:p>
         </p:txBody>
       </p:sp>
       <p:sp>
@@ -6227,10 +6243,9 @@
           <a:lstStyle/>
           <a:p>
             <a:r>
-              <a:rPr lang="en-US" dirty="0" smtClean="0"/>
+              <a:rPr lang="en-US" dirty="0"/>
               <a:t>Lambda Lambda Lambda!</a:t>
             </a:r>
-            <a:endParaRPr lang="en-US" dirty="0"/>
           </a:p>
         </p:txBody>
       </p:sp>
@@ -6244,13 +6259,6 @@
   <p:clrMapOvr>
     <a:masterClrMapping/>
   </p:clrMapOvr>
-  <p:timing>
-    <p:tnLst>
-      <p:par>
-        <p:cTn xmlns:p14="http://schemas.microsoft.com/office/powerpoint/2010/main" id="1" dur="indefinite" restart="never" nodeType="tmRoot"/>
-      </p:par>
-    </p:tnLst>
-  </p:timing>
 </p:sld>
 </file>
 
@@ -6287,10 +6295,9 @@
           <a:lstStyle/>
           <a:p>
             <a:r>
-              <a:rPr lang="en-US" dirty="0" smtClean="0"/>
+              <a:rPr lang="en-US" dirty="0"/>
               <a:t>Creating All Those Things</a:t>
             </a:r>
-            <a:endParaRPr lang="en-US" dirty="0"/>
           </a:p>
         </p:txBody>
       </p:sp>
@@ -6310,48 +6317,47 @@
           <a:lstStyle/>
           <a:p>
             <a:r>
-              <a:rPr lang="en-US" dirty="0" smtClean="0"/>
+              <a:rPr lang="en-US" dirty="0"/>
               <a:t>Create a new version of our Lambda function code, will be version 1</a:t>
             </a:r>
           </a:p>
           <a:p>
             <a:r>
-              <a:rPr lang="en-US" dirty="0" smtClean="0"/>
+              <a:rPr lang="en-US" dirty="0"/>
               <a:t>Create 3 aliases, </a:t>
             </a:r>
             <a:r>
-              <a:rPr lang="en-US" dirty="0" err="1" smtClean="0"/>
+              <a:rPr lang="en-US" dirty="0" err="1"/>
               <a:t>dev,acc,prod</a:t>
             </a:r>
             <a:r>
-              <a:rPr lang="en-US" dirty="0" smtClean="0"/>
+              <a:rPr lang="en-US" dirty="0"/>
               <a:t>, point each of those aliases to version 1</a:t>
             </a:r>
           </a:p>
           <a:p>
             <a:r>
-              <a:rPr lang="en-US" dirty="0" smtClean="0"/>
+              <a:rPr lang="en-US" dirty="0"/>
               <a:t>Use $LATEST for active development</a:t>
             </a:r>
           </a:p>
           <a:p>
             <a:r>
-              <a:rPr lang="en-US" dirty="0" smtClean="0"/>
+              <a:rPr lang="en-US" dirty="0"/>
               <a:t>Deploy new version of the code, version 2</a:t>
             </a:r>
           </a:p>
           <a:p>
             <a:r>
-              <a:rPr lang="en-US" dirty="0" smtClean="0"/>
+              <a:rPr lang="en-US" dirty="0"/>
               <a:t>Point aliases accordingly.</a:t>
             </a:r>
           </a:p>
           <a:p>
             <a:r>
-              <a:rPr lang="en-US" dirty="0" smtClean="0"/>
+              <a:rPr lang="en-US" dirty="0"/>
               <a:t>Check Qualifiers menu to see where aliases point</a:t>
             </a:r>
-            <a:endParaRPr lang="en-US" dirty="0"/>
           </a:p>
         </p:txBody>
       </p:sp>
@@ -6401,10 +6407,9 @@
           <a:lstStyle/>
           <a:p>
             <a:r>
-              <a:rPr lang="en-US" dirty="0" smtClean="0"/>
+              <a:rPr lang="en-US" dirty="0"/>
               <a:t>Demo Again</a:t>
             </a:r>
-            <a:endParaRPr lang="en-US" dirty="0"/>
           </a:p>
         </p:txBody>
       </p:sp>
@@ -6424,10 +6429,9 @@
           <a:lstStyle/>
           <a:p>
             <a:r>
-              <a:rPr lang="en-US" dirty="0" smtClean="0"/>
+              <a:rPr lang="en-US" dirty="0"/>
               <a:t>Setup versions for our function</a:t>
             </a:r>
-            <a:endParaRPr lang="en-US" dirty="0"/>
           </a:p>
         </p:txBody>
       </p:sp>
@@ -6477,10 +6481,9 @@
           <a:lstStyle/>
           <a:p>
             <a:r>
-              <a:rPr lang="en-US" dirty="0" smtClean="0"/>
+              <a:rPr lang="en-US" dirty="0"/>
               <a:t>Layers</a:t>
             </a:r>
-            <a:endParaRPr lang="en-US" dirty="0"/>
           </a:p>
         </p:txBody>
       </p:sp>
@@ -6500,19 +6503,19 @@
           <a:lstStyle/>
           <a:p>
             <a:r>
-              <a:rPr lang="en-US" dirty="0" smtClean="0"/>
+              <a:rPr lang="en-US" dirty="0"/>
               <a:t>Pull custom code into your Lambda function</a:t>
             </a:r>
           </a:p>
           <a:p>
             <a:r>
-              <a:rPr lang="en-US" dirty="0" smtClean="0"/>
+              <a:rPr lang="en-US" dirty="0"/>
               <a:t>Most useful with NPM libraries</a:t>
             </a:r>
           </a:p>
           <a:p>
             <a:r>
-              <a:rPr lang="en-US" dirty="0" smtClean="0"/>
+              <a:rPr lang="en-US" dirty="0"/>
               <a:t>Custom NPM libraries to boot</a:t>
             </a:r>
           </a:p>
@@ -6523,19 +6526,14 @@
             </a:r>
             <a:r>
               <a:rPr lang="en-US" dirty="0"/>
-              <a:t> NPM </a:t>
-            </a:r>
-            <a:r>
-              <a:rPr lang="en-US" dirty="0" smtClean="0"/>
-              <a:t>package</a:t>
-            </a:r>
-          </a:p>
-          <a:p>
-            <a:r>
-              <a:rPr lang="en-US" dirty="0" smtClean="0"/>
+              <a:t> NPM package</a:t>
+            </a:r>
+          </a:p>
+          <a:p>
+            <a:r>
+              <a:rPr lang="en-US" dirty="0"/>
               <a:t>Reusable across all Lambda functions</a:t>
             </a:r>
-            <a:endParaRPr lang="en-US" dirty="0"/>
           </a:p>
           <a:p>
             <a:endParaRPr lang="en-US" dirty="0"/>
@@ -6588,102 +6586,112 @@
           <a:lstStyle/>
           <a:p>
             <a:r>
-              <a:rPr lang="en-US" dirty="0" smtClean="0"/>
+              <a:rPr lang="en-US" dirty="0"/>
               <a:t>Setup Layer</a:t>
             </a:r>
+          </a:p>
+        </p:txBody>
+      </p:sp>
+      <p:sp>
+        <p:nvSpPr>
+          <p:cNvPr id="3" name="Content Placeholder 2"/>
+          <p:cNvSpPr>
+            <a:spLocks noGrp="1"/>
+          </p:cNvSpPr>
+          <p:nvPr>
+            <p:ph sz="quarter" idx="1"/>
+          </p:nvPr>
+        </p:nvSpPr>
+        <p:spPr/>
+        <p:txBody>
+          <a:bodyPr/>
+          <a:lstStyle/>
+          <a:p>
+            <a:r>
+              <a:rPr lang="en-US" dirty="0"/>
+              <a:t>Setup code locally using NPM install</a:t>
+            </a:r>
+          </a:p>
+          <a:p>
+            <a:r>
+              <a:rPr lang="en-US" dirty="0"/>
+              <a:t>Suggest /</a:t>
+            </a:r>
+            <a:r>
+              <a:rPr lang="en-US" dirty="0" err="1"/>
+              <a:t>src</a:t>
+            </a:r>
+            <a:r>
+              <a:rPr lang="en-US" dirty="0"/>
+              <a:t> directory, manage by NPM</a:t>
+            </a:r>
+          </a:p>
+          <a:p>
+            <a:r>
+              <a:rPr lang="en-US" dirty="0"/>
+              <a:t>Directory structure </a:t>
+            </a:r>
+            <a:r>
+              <a:rPr lang="en-US"/>
+              <a:t>must match:</a:t>
+            </a:r>
             <a:endParaRPr lang="en-US" dirty="0"/>
           </a:p>
-        </p:txBody>
-      </p:sp>
-      <p:sp>
-        <p:nvSpPr>
-          <p:cNvPr id="3" name="Content Placeholder 2"/>
-          <p:cNvSpPr>
-            <a:spLocks noGrp="1"/>
-          </p:cNvSpPr>
-          <p:nvPr>
-            <p:ph sz="quarter" idx="1"/>
-          </p:nvPr>
-        </p:nvSpPr>
-        <p:spPr/>
-        <p:txBody>
-          <a:bodyPr/>
-          <a:lstStyle/>
-          <a:p>
-            <a:r>
-              <a:rPr lang="en-US" dirty="0" smtClean="0"/>
-              <a:t>Setup code locally using NPM install</a:t>
-            </a:r>
-          </a:p>
-          <a:p>
-            <a:r>
-              <a:rPr lang="en-US" dirty="0" smtClean="0"/>
-              <a:t>Directory structure must match:</a:t>
-            </a:r>
-          </a:p>
           <a:p>
             <a:pPr lvl="1"/>
             <a:r>
-              <a:rPr lang="en-US" dirty="0" smtClean="0"/>
-              <a:t>-lambda_layer_1</a:t>
+              <a:rPr lang="en-US" dirty="0"/>
+              <a:t>-</a:t>
+            </a:r>
+            <a:r>
+              <a:rPr lang="en-US" dirty="0" err="1"/>
+              <a:t>name_of_layer</a:t>
             </a:r>
             <a:br>
-              <a:rPr lang="en-US" dirty="0" smtClean="0"/>
+              <a:rPr lang="en-US" dirty="0"/>
             </a:br>
             <a:r>
-              <a:rPr lang="en-US" dirty="0" smtClean="0"/>
+              <a:rPr lang="en-US" dirty="0"/>
               <a:t>    -</a:t>
             </a:r>
             <a:r>
-              <a:rPr lang="en-US" dirty="0" err="1" smtClean="0"/>
+              <a:rPr lang="en-US" dirty="0" err="1"/>
               <a:t>node_js</a:t>
             </a:r>
-            <a:r>
-              <a:rPr lang="en-US" dirty="0" smtClean="0"/>
-              <a:t/>
-            </a:r>
             <a:br>
-              <a:rPr lang="en-US" dirty="0" smtClean="0"/>
+              <a:rPr lang="en-US" dirty="0"/>
             </a:br>
             <a:r>
-              <a:rPr lang="en-US" dirty="0" smtClean="0"/>
+              <a:rPr lang="en-US" dirty="0"/>
               <a:t>        -</a:t>
             </a:r>
             <a:r>
-              <a:rPr lang="en-US" dirty="0" err="1" smtClean="0"/>
+              <a:rPr lang="en-US" dirty="0" err="1"/>
               <a:t>npm_modules</a:t>
             </a:r>
-            <a:r>
-              <a:rPr lang="en-US" dirty="0" smtClean="0"/>
-              <a:t/>
-            </a:r>
             <a:br>
-              <a:rPr lang="en-US" dirty="0" smtClean="0"/>
+              <a:rPr lang="en-US" dirty="0"/>
             </a:br>
             <a:r>
-              <a:rPr lang="en-US" dirty="0" smtClean="0"/>
+              <a:rPr lang="en-US" dirty="0"/>
               <a:t>        -</a:t>
             </a:r>
             <a:r>
-              <a:rPr lang="en-US" dirty="0" err="1" smtClean="0"/>
+              <a:rPr lang="en-US" dirty="0" err="1"/>
               <a:t>package.json</a:t>
             </a:r>
-            <a:r>
-              <a:rPr lang="en-US" dirty="0" smtClean="0"/>
-              <a:t/>
-            </a:r>
             <a:br>
-              <a:rPr lang="en-US" dirty="0" smtClean="0"/>
+              <a:rPr lang="en-US" dirty="0"/>
             </a:br>
             <a:r>
-              <a:rPr lang="en-US" dirty="0" smtClean="0"/>
+              <a:rPr lang="en-US" dirty="0"/>
               <a:t>        -</a:t>
             </a:r>
             <a:r>
-              <a:rPr lang="en-US" dirty="0" err="1" smtClean="0"/>
+              <a:rPr lang="en-US" dirty="0" err="1"/>
               <a:t>index.js</a:t>
             </a:r>
-            <a:endParaRPr lang="en-US" dirty="0" smtClean="0"/>
+            <a:endParaRPr lang="en-US" dirty="0"/>
           </a:p>
           <a:p>
             <a:pPr lvl="1"/>
@@ -6691,8 +6699,12 @@
           </a:p>
           <a:p>
             <a:r>
-              <a:rPr lang="en-US" dirty="0" smtClean="0"/>
-              <a:t>Zip up directory</a:t>
+              <a:rPr lang="en-US" dirty="0"/>
+              <a:t>Zip up directory so your zip file contains </a:t>
+            </a:r>
+            <a:r>
+              <a:rPr lang="en-US" dirty="0" err="1"/>
+              <a:t>node_js</a:t>
             </a:r>
             <a:endParaRPr lang="en-US" dirty="0"/>
           </a:p>
@@ -6744,10 +6756,9 @@
           <a:lstStyle/>
           <a:p>
             <a:r>
-              <a:rPr lang="en-US" dirty="0" smtClean="0"/>
+              <a:rPr lang="en-US" dirty="0"/>
               <a:t>Lambda Layers Dashboard</a:t>
             </a:r>
-            <a:endParaRPr lang="en-US" dirty="0"/>
           </a:p>
         </p:txBody>
       </p:sp>
@@ -6767,32 +6778,38 @@
           <a:lstStyle/>
           <a:p>
             <a:r>
-              <a:rPr lang="en-US" dirty="0" smtClean="0"/>
+              <a:rPr lang="en-US" dirty="0"/>
               <a:t>Create new layer</a:t>
             </a:r>
           </a:p>
           <a:p>
             <a:pPr lvl="1"/>
             <a:r>
-              <a:rPr lang="en-US" dirty="0" smtClean="0"/>
+              <a:rPr lang="en-US" dirty="0"/>
               <a:t>Name, description, license, runtime</a:t>
             </a:r>
           </a:p>
           <a:p>
             <a:r>
-              <a:rPr lang="en-US" dirty="0" smtClean="0"/>
+              <a:rPr lang="en-US" dirty="0"/>
               <a:t>Upload zip</a:t>
             </a:r>
           </a:p>
           <a:p>
             <a:r>
-              <a:rPr lang="en-US" dirty="0" smtClean="0"/>
+              <a:rPr lang="en-US" dirty="0"/>
+              <a:t>Set Runtime</a:t>
+            </a:r>
+          </a:p>
+          <a:p>
+            <a:r>
+              <a:rPr lang="en-US" dirty="0"/>
               <a:t>Attach layer to function</a:t>
             </a:r>
           </a:p>
           <a:p>
             <a:r>
-              <a:rPr lang="en-US" dirty="0" smtClean="0"/>
+              <a:rPr lang="en-US" dirty="0"/>
               <a:t>Use the code!</a:t>
             </a:r>
           </a:p>
@@ -6844,10 +6861,9 @@
           <a:lstStyle/>
           <a:p>
             <a:r>
-              <a:rPr lang="en-US" dirty="0" smtClean="0"/>
+              <a:rPr lang="en-US" dirty="0"/>
               <a:t>Demo Layers</a:t>
             </a:r>
-            <a:endParaRPr lang="en-US" dirty="0"/>
           </a:p>
         </p:txBody>
       </p:sp>
@@ -6867,10 +6883,9 @@
           <a:lstStyle/>
           <a:p>
             <a:r>
-              <a:rPr lang="en-US" dirty="0" smtClean="0"/>
+              <a:rPr lang="en-US" dirty="0"/>
               <a:t>See it in action</a:t>
             </a:r>
-            <a:endParaRPr lang="en-US" dirty="0"/>
           </a:p>
         </p:txBody>
       </p:sp>
@@ -6906,7 +6921,13 @@
       </p:grpSpPr>
       <p:sp>
         <p:nvSpPr>
-          <p:cNvPr id="2" name="Title 1"/>
+          <p:cNvPr id="2" name="Title 1">
+            <a:extLst>
+              <a:ext uri="{FF2B5EF4-FFF2-40B4-BE49-F238E27FC236}">
+                <a16:creationId xmlns:a16="http://schemas.microsoft.com/office/drawing/2014/main" id="{ED867350-3A40-A846-B537-66574533EC0E}"/>
+              </a:ext>
+            </a:extLst>
+          </p:cNvPr>
           <p:cNvSpPr>
             <a:spLocks noGrp="1"/>
           </p:cNvSpPr>
@@ -6920,16 +6941,21 @@
           <a:lstStyle/>
           <a:p>
             <a:r>
-              <a:rPr lang="en-US" dirty="0" smtClean="0"/>
-              <a:t>Local Lambda	</a:t>
-            </a:r>
-            <a:endParaRPr lang="en-US" dirty="0"/>
-          </a:p>
-        </p:txBody>
-      </p:sp>
-      <p:sp>
-        <p:nvSpPr>
-          <p:cNvPr id="3" name="Content Placeholder 2"/>
+              <a:rPr lang="en-US" dirty="0"/>
+              <a:t>Local Development</a:t>
+            </a:r>
+          </a:p>
+        </p:txBody>
+      </p:sp>
+      <p:sp>
+        <p:nvSpPr>
+          <p:cNvPr id="3" name="Content Placeholder 2">
+            <a:extLst>
+              <a:ext uri="{FF2B5EF4-FFF2-40B4-BE49-F238E27FC236}">
+                <a16:creationId xmlns:a16="http://schemas.microsoft.com/office/drawing/2014/main" id="{D14481A7-E5B5-0E4D-BFBE-08FF94FBAE15}"/>
+              </a:ext>
+            </a:extLst>
+          </p:cNvPr>
           <p:cNvSpPr>
             <a:spLocks noGrp="1"/>
           </p:cNvSpPr>
@@ -6943,64 +6969,26 @@
           <a:lstStyle/>
           <a:p>
             <a:r>
-              <a:rPr lang="en-US" dirty="0" smtClean="0"/>
-              <a:t>Develop locally, upload code, run in cloud</a:t>
-            </a:r>
-          </a:p>
-          <a:p>
-            <a:r>
-              <a:rPr lang="en-US" dirty="0" smtClean="0"/>
-              <a:t>Good for large (or most!) functions</a:t>
-            </a:r>
-          </a:p>
-          <a:p>
-            <a:r>
-              <a:rPr lang="en-US" dirty="0" smtClean="0"/>
-              <a:t>Upload zip directly to Lambda</a:t>
-            </a:r>
-          </a:p>
-          <a:p>
-            <a:pPr lvl="1"/>
-            <a:r>
-              <a:rPr lang="en-US" dirty="0" smtClean="0"/>
-              <a:t>Function code section, change dropdown from Edit code inline</a:t>
-            </a:r>
-          </a:p>
-          <a:p>
-            <a:pPr lvl="1"/>
-            <a:r>
-              <a:rPr lang="en-US" dirty="0"/>
-              <a:t>~10mb upload </a:t>
-            </a:r>
-            <a:r>
-              <a:rPr lang="en-US" dirty="0" smtClean="0"/>
-              <a:t>limit</a:t>
-            </a:r>
-          </a:p>
-          <a:p>
-            <a:r>
-              <a:rPr lang="en-US" dirty="0" smtClean="0"/>
-              <a:t>Upload zip to S3, load from there</a:t>
-            </a:r>
-          </a:p>
-          <a:p>
-            <a:pPr lvl="1"/>
-            <a:r>
-              <a:rPr lang="en-US" dirty="0" smtClean="0"/>
-              <a:t>Better for larger functions</a:t>
-            </a:r>
-          </a:p>
-          <a:p>
-            <a:r>
-              <a:rPr lang="en-US" dirty="0" smtClean="0"/>
-              <a:t>With Lambda layers we don’t have to include NPM!</a:t>
-            </a:r>
-          </a:p>
-          <a:p>
-            <a:pPr lvl="1"/>
-            <a:r>
-              <a:rPr lang="en-US" dirty="0" smtClean="0"/>
-              <a:t>NPM install locally, exclude from zip</a:t>
+              <a:rPr lang="en-US" dirty="0"/>
+              <a:t>Everyone wants to use their own IDE</a:t>
+            </a:r>
+          </a:p>
+          <a:p>
+            <a:r>
+              <a:rPr lang="en-US" dirty="0"/>
+              <a:t>Debugging</a:t>
+            </a:r>
+          </a:p>
+          <a:p>
+            <a:r>
+              <a:rPr lang="en-US" dirty="0"/>
+              <a:t>Access to GIT</a:t>
+            </a:r>
+          </a:p>
+          <a:p>
+            <a:r>
+              <a:rPr lang="en-US" dirty="0"/>
+              <a:t>But who wants to install runtimes?</a:t>
             </a:r>
           </a:p>
         </p:txBody>
@@ -7008,7 +6996,7 @@
     </p:spTree>
     <p:extLst>
       <p:ext uri="{BB962C8B-B14F-4D97-AF65-F5344CB8AC3E}">
-        <p14:creationId xmlns:p14="http://schemas.microsoft.com/office/powerpoint/2010/main" val="1215910410"/>
+        <p14:creationId xmlns:p14="http://schemas.microsoft.com/office/powerpoint/2010/main" val="2935855600"/>
       </p:ext>
     </p:extLst>
   </p:cSld>
@@ -7051,10 +7039,9 @@
           <a:lstStyle/>
           <a:p>
             <a:r>
-              <a:rPr lang="en-US" dirty="0" smtClean="0"/>
-              <a:t>Local Lambda with SAM</a:t>
-            </a:r>
-            <a:endParaRPr lang="en-US" dirty="0"/>
+              <a:rPr lang="en-US" dirty="0"/>
+              <a:t>Local Lambda	</a:t>
+            </a:r>
           </a:p>
         </p:txBody>
       </p:sp>
@@ -7074,65 +7061,68 @@
           <a:lstStyle/>
           <a:p>
             <a:r>
-              <a:rPr lang="en-US" dirty="0" smtClean="0"/>
-              <a:t>AWS </a:t>
-            </a:r>
-            <a:r>
-              <a:rPr lang="en-US" dirty="0" err="1" smtClean="0"/>
-              <a:t>Serverless</a:t>
-            </a:r>
-            <a:r>
-              <a:rPr lang="en-US" dirty="0" smtClean="0"/>
-              <a:t> Application Model</a:t>
+              <a:rPr lang="en-US" dirty="0"/>
+              <a:t>Develop locally, upload code, run in cloud</a:t>
+            </a:r>
+          </a:p>
+          <a:p>
+            <a:r>
+              <a:rPr lang="en-US" dirty="0"/>
+              <a:t>Good for large (or all!) functions</a:t>
+            </a:r>
+          </a:p>
+          <a:p>
+            <a:r>
+              <a:rPr lang="en-US" dirty="0"/>
+              <a:t>Upload zip directly to Lambda</a:t>
             </a:r>
           </a:p>
           <a:p>
             <a:pPr lvl="1"/>
             <a:r>
-              <a:rPr lang="en-US" dirty="0" smtClean="0"/>
-              <a:t>Uses </a:t>
-            </a:r>
-            <a:r>
-              <a:rPr lang="en-US" dirty="0" err="1" smtClean="0"/>
-              <a:t>Docker</a:t>
-            </a:r>
-            <a:r>
-              <a:rPr lang="en-US" dirty="0" smtClean="0"/>
-              <a:t> container to simulate running Lambda locally</a:t>
-            </a:r>
-          </a:p>
-          <a:p>
-            <a:r>
-              <a:rPr lang="en-US" dirty="0" smtClean="0"/>
-              <a:t>Local debugging and testing</a:t>
-            </a:r>
-          </a:p>
-          <a:p>
-            <a:r>
-              <a:rPr lang="en-US" dirty="0" smtClean="0"/>
-              <a:t>VS Code integration for debugging</a:t>
+              <a:rPr lang="en-US" dirty="0"/>
+              <a:t>Function code section, change dropdown from Edit code inline</a:t>
             </a:r>
           </a:p>
           <a:p>
             <a:pPr lvl="1"/>
             <a:r>
-              <a:rPr lang="en-US" dirty="0" smtClean="0"/>
-              <a:t>Breakpoints, stepping through code</a:t>
-            </a:r>
-          </a:p>
-          <a:p>
-            <a:r>
-              <a:rPr lang="en-US" dirty="0" smtClean="0"/>
-              <a:t>Use test events to trigger function similar to Lambda dashboard</a:t>
-            </a:r>
-            <a:endParaRPr lang="en-US" dirty="0"/>
+              <a:rPr lang="en-US" dirty="0"/>
+              <a:t>~10mb upload limit</a:t>
+            </a:r>
+          </a:p>
+          <a:p>
+            <a:r>
+              <a:rPr lang="en-US" dirty="0"/>
+              <a:t>Upload zip to S3, load from there</a:t>
+            </a:r>
+          </a:p>
+          <a:p>
+            <a:pPr lvl="1"/>
+            <a:r>
+              <a:rPr lang="en-US" dirty="0"/>
+              <a:t>Better for larger functions</a:t>
+            </a:r>
+          </a:p>
+          <a:p>
+            <a:r>
+              <a:rPr lang="en-US" dirty="0"/>
+              <a:t>With Lambda layers we don’t have to include NPM!</a:t>
+            </a:r>
+          </a:p>
+          <a:p>
+            <a:pPr lvl="1"/>
+            <a:r>
+              <a:rPr lang="en-US" dirty="0"/>
+              <a:t>NPM install locally, exclude from zip</a:t>
+            </a:r>
           </a:p>
         </p:txBody>
       </p:sp>
     </p:spTree>
     <p:extLst>
       <p:ext uri="{BB962C8B-B14F-4D97-AF65-F5344CB8AC3E}">
-        <p14:creationId xmlns:p14="http://schemas.microsoft.com/office/powerpoint/2010/main" val="844576440"/>
+        <p14:creationId xmlns:p14="http://schemas.microsoft.com/office/powerpoint/2010/main" val="1215910410"/>
       </p:ext>
     </p:extLst>
   </p:cSld>
@@ -7175,10 +7165,9 @@
           <a:lstStyle/>
           <a:p>
             <a:r>
-              <a:rPr lang="en-US" dirty="0" smtClean="0"/>
-              <a:t>Local Lambda Components</a:t>
-            </a:r>
-            <a:endParaRPr lang="en-US" dirty="0"/>
+              <a:rPr lang="en-US" dirty="0"/>
+              <a:t>Local Lambda with SAM</a:t>
+            </a:r>
           </a:p>
         </p:txBody>
       </p:sp>
@@ -7194,137 +7183,68 @@
         </p:nvSpPr>
         <p:spPr/>
         <p:txBody>
-          <a:bodyPr>
-            <a:normAutofit lnSpcReduction="10000"/>
-          </a:bodyPr>
-          <a:lstStyle/>
-          <a:p>
-            <a:r>
-              <a:rPr lang="en-US" dirty="0" smtClean="0"/>
-              <a:t>Install </a:t>
-            </a:r>
-            <a:r>
-              <a:rPr lang="en-US" dirty="0" err="1" smtClean="0"/>
+          <a:bodyPr/>
+          <a:lstStyle/>
+          <a:p>
+            <a:r>
+              <a:rPr lang="en-US" dirty="0"/>
+              <a:t>AWS </a:t>
+            </a:r>
+            <a:r>
+              <a:rPr lang="en-US" dirty="0" err="1"/>
+              <a:t>Serverless</a:t>
+            </a:r>
+            <a:r>
+              <a:rPr lang="en-US" dirty="0"/>
+              <a:t> Application Model</a:t>
+            </a:r>
+          </a:p>
+          <a:p>
+            <a:pPr lvl="1"/>
+            <a:r>
+              <a:rPr lang="en-US" dirty="0"/>
+              <a:t>Uses </a:t>
+            </a:r>
+            <a:r>
+              <a:rPr lang="en-US" dirty="0" err="1"/>
               <a:t>Docker</a:t>
             </a:r>
             <a:r>
               <a:rPr lang="en-US" dirty="0"/>
-              <a:t> </a:t>
-            </a:r>
-            <a:r>
-              <a:rPr lang="en-US" dirty="0" smtClean="0"/>
-              <a:t>and AWS CLI/SAM</a:t>
-            </a:r>
-          </a:p>
-          <a:p>
-            <a:r>
-              <a:rPr lang="en-US" dirty="0" smtClean="0"/>
-              <a:t>Create </a:t>
-            </a:r>
-            <a:r>
-              <a:rPr lang="en-US" dirty="0" err="1" smtClean="0"/>
-              <a:t>template.yml</a:t>
-            </a:r>
-            <a:r>
-              <a:rPr lang="en-US" dirty="0" smtClean="0"/>
-              <a:t> to define your functions</a:t>
+              <a:t> container to simulate running Lambda locally</a:t>
+            </a:r>
+          </a:p>
+          <a:p>
+            <a:r>
+              <a:rPr lang="en-US" dirty="0"/>
+              <a:t>Local debugging and testing</a:t>
+            </a:r>
+          </a:p>
+          <a:p>
+            <a:r>
+              <a:rPr lang="en-US" dirty="0"/>
+              <a:t>VS Code integration for debugging</a:t>
             </a:r>
           </a:p>
           <a:p>
             <a:pPr lvl="1"/>
             <a:r>
-              <a:rPr lang="en-US" dirty="0" smtClean="0"/>
-              <a:t>One </a:t>
-            </a:r>
-            <a:r>
-              <a:rPr lang="en-US" dirty="0" err="1" smtClean="0"/>
-              <a:t>template.yml</a:t>
-            </a:r>
-            <a:r>
-              <a:rPr lang="en-US" dirty="0" smtClean="0"/>
-              <a:t> for many functions</a:t>
-            </a:r>
-          </a:p>
-          <a:p>
-            <a:pPr lvl="1"/>
-            <a:r>
-              <a:rPr lang="en-US" dirty="0" smtClean="0"/>
-              <a:t>Define resources and outputs, 1-1 mapping to generate function calls</a:t>
-            </a:r>
-          </a:p>
-          <a:p>
-            <a:r>
-              <a:rPr lang="en-US" dirty="0" smtClean="0"/>
-              <a:t>Create debugging </a:t>
-            </a:r>
-            <a:r>
-              <a:rPr lang="en-US" dirty="0" err="1" smtClean="0"/>
-              <a:t>config</a:t>
-            </a:r>
-            <a:r>
-              <a:rPr lang="en-US" dirty="0" smtClean="0"/>
-              <a:t> in VS Code</a:t>
-            </a:r>
-          </a:p>
-          <a:p>
-            <a:pPr lvl="1"/>
-            <a:r>
-              <a:rPr lang="en-US" dirty="0" smtClean="0"/>
-              <a:t>Add debug configuration -&gt; dropdown -&gt; add new configuration</a:t>
-            </a:r>
-          </a:p>
-          <a:p>
-            <a:pPr lvl="1"/>
-            <a:r>
-              <a:rPr lang="en-US" dirty="0" err="1" smtClean="0"/>
-              <a:t>Config</a:t>
-            </a:r>
-            <a:r>
-              <a:rPr lang="en-US" dirty="0" smtClean="0"/>
-              <a:t> type is </a:t>
-            </a:r>
-            <a:r>
-              <a:rPr lang="en-US" dirty="0" err="1" smtClean="0"/>
-              <a:t>nodeJS</a:t>
-            </a:r>
-            <a:endParaRPr lang="en-US" dirty="0" smtClean="0"/>
-          </a:p>
-          <a:p>
-            <a:pPr lvl="1"/>
-            <a:r>
-              <a:rPr lang="en-US" dirty="0" smtClean="0"/>
-              <a:t>See repo for </a:t>
-            </a:r>
-            <a:r>
-              <a:rPr lang="en-US" dirty="0" err="1" smtClean="0"/>
-              <a:t>launch.json</a:t>
-            </a:r>
-            <a:endParaRPr lang="en-US" dirty="0" smtClean="0"/>
-          </a:p>
-          <a:p>
-            <a:pPr lvl="1"/>
-            <a:r>
-              <a:rPr lang="en-US" dirty="0" smtClean="0"/>
-              <a:t>One configuration item per function, matches 1-1 with </a:t>
-            </a:r>
-            <a:r>
-              <a:rPr lang="en-US" dirty="0" err="1" smtClean="0"/>
-              <a:t>template.yml</a:t>
-            </a:r>
-            <a:r>
-              <a:rPr lang="en-US" dirty="0" smtClean="0"/>
-              <a:t> entries</a:t>
-            </a:r>
-          </a:p>
-          <a:p>
-            <a:endParaRPr lang="en-US" dirty="0"/>
+              <a:rPr lang="en-US" dirty="0"/>
+              <a:t>Breakpoints, stepping through code</a:t>
+            </a:r>
+          </a:p>
+          <a:p>
+            <a:r>
+              <a:rPr lang="en-US" dirty="0"/>
+              <a:t>Use test events to trigger function similar to Lambda dashboard</a:t>
+            </a:r>
           </a:p>
         </p:txBody>
       </p:sp>
     </p:spTree>
     <p:extLst>
       <p:ext uri="{BB962C8B-B14F-4D97-AF65-F5344CB8AC3E}">
-        <p14:creationId xmlns:p14="http://schemas.microsoft.com/office/powerpoint/2010/main" val="1801997918"/>
+        <p14:creationId xmlns:p14="http://schemas.microsoft.com/office/powerpoint/2010/main" val="844576440"/>
       </p:ext>
     </p:extLst>
   </p:cSld>
@@ -7367,10 +7287,9 @@
           <a:lstStyle/>
           <a:p>
             <a:r>
-              <a:rPr lang="en-US" dirty="0" smtClean="0"/>
-              <a:t>Local Lambda Components Continued</a:t>
-            </a:r>
-            <a:endParaRPr lang="en-US" dirty="0"/>
+              <a:rPr lang="en-US" dirty="0"/>
+              <a:t>Local Lambda Components</a:t>
+            </a:r>
           </a:p>
         </p:txBody>
       </p:sp>
@@ -7386,82 +7305,61 @@
         </p:nvSpPr>
         <p:spPr/>
         <p:txBody>
-          <a:bodyPr/>
-          <a:lstStyle/>
-          <a:p>
-            <a:r>
-              <a:rPr lang="en-US" dirty="0" smtClean="0"/>
-              <a:t>Test event</a:t>
+          <a:bodyPr>
+            <a:normAutofit/>
+          </a:bodyPr>
+          <a:lstStyle/>
+          <a:p>
+            <a:r>
+              <a:rPr lang="en-US" dirty="0"/>
+              <a:t>Install </a:t>
+            </a:r>
+            <a:r>
+              <a:rPr lang="en-US" dirty="0" err="1"/>
+              <a:t>Docker</a:t>
+            </a:r>
+            <a:r>
+              <a:rPr lang="en-US" dirty="0"/>
+              <a:t> and AWS CLI/SAM</a:t>
+            </a:r>
+          </a:p>
+          <a:p>
+            <a:r>
+              <a:rPr lang="en-US" dirty="0"/>
+              <a:t>Create </a:t>
+            </a:r>
+            <a:r>
+              <a:rPr lang="en-US" dirty="0" err="1"/>
+              <a:t>template.yml</a:t>
+            </a:r>
+            <a:r>
+              <a:rPr lang="en-US" dirty="0"/>
+              <a:t> to define your functions</a:t>
             </a:r>
           </a:p>
           <a:p>
             <a:pPr lvl="1"/>
             <a:r>
-              <a:rPr lang="en-US" dirty="0" smtClean="0"/>
-              <a:t>JSON file that matches test events from either dashboard or other AWS triggers</a:t>
+              <a:rPr lang="en-US" dirty="0"/>
+              <a:t>One </a:t>
+            </a:r>
+            <a:r>
+              <a:rPr lang="en-US" dirty="0" err="1"/>
+              <a:t>template.yml</a:t>
+            </a:r>
+            <a:r>
+              <a:rPr lang="en-US" dirty="0"/>
+              <a:t> for many functions</a:t>
             </a:r>
           </a:p>
           <a:p>
             <a:pPr lvl="1"/>
             <a:r>
-              <a:rPr lang="en-US" dirty="0" smtClean="0"/>
-              <a:t>One test event per function</a:t>
-            </a:r>
-          </a:p>
-          <a:p>
-            <a:r>
-              <a:rPr lang="en-US" dirty="0" smtClean="0"/>
-              <a:t>Layers</a:t>
-            </a:r>
-          </a:p>
-          <a:p>
-            <a:pPr lvl="1"/>
-            <a:r>
-              <a:rPr lang="en-US" dirty="0" smtClean="0"/>
-              <a:t>Layers available either locally (folder)</a:t>
-            </a:r>
-          </a:p>
-          <a:p>
-            <a:pPr lvl="1"/>
-            <a:r>
-              <a:rPr lang="en-US" dirty="0" smtClean="0"/>
-              <a:t>ARN from AWS account</a:t>
-            </a:r>
-            <a:endParaRPr lang="en-US" dirty="0"/>
-          </a:p>
-          <a:p>
-            <a:pPr lvl="1"/>
-            <a:r>
-              <a:rPr lang="en-US" dirty="0" smtClean="0"/>
-              <a:t>Configure in </a:t>
-            </a:r>
-            <a:r>
-              <a:rPr lang="en-US" dirty="0" err="1" smtClean="0"/>
-              <a:t>template.yml</a:t>
-            </a:r>
-            <a:endParaRPr lang="en-US" dirty="0" smtClean="0"/>
-          </a:p>
-          <a:p>
-            <a:r>
-              <a:rPr lang="en-US" dirty="0" smtClean="0"/>
-              <a:t>Bring it together: SAM-&gt;</a:t>
-            </a:r>
-            <a:r>
-              <a:rPr lang="en-US" dirty="0" err="1" smtClean="0"/>
-              <a:t>template.yml</a:t>
-            </a:r>
-            <a:r>
-              <a:rPr lang="en-US" dirty="0" smtClean="0"/>
-              <a:t> -&gt; VS Code debug </a:t>
-            </a:r>
-            <a:r>
-              <a:rPr lang="en-US" dirty="0" err="1" smtClean="0"/>
-              <a:t>config</a:t>
-            </a:r>
-            <a:r>
-              <a:rPr lang="en-US" dirty="0" smtClean="0"/>
-              <a:t> -&gt; test event</a:t>
-            </a:r>
+              <a:rPr lang="en-US" dirty="0"/>
+              <a:t>Define resources and outputs, 1-1 mapping to generate function calls</a:t>
+            </a:r>
+          </a:p>
+          <a:p>
             <a:endParaRPr lang="en-US" dirty="0"/>
           </a:p>
         </p:txBody>
@@ -7469,7 +7367,7 @@
     </p:spTree>
     <p:extLst>
       <p:ext uri="{BB962C8B-B14F-4D97-AF65-F5344CB8AC3E}">
-        <p14:creationId xmlns:p14="http://schemas.microsoft.com/office/powerpoint/2010/main" val="865357289"/>
+        <p14:creationId xmlns:p14="http://schemas.microsoft.com/office/powerpoint/2010/main" val="1801997918"/>
       </p:ext>
     </p:extLst>
   </p:cSld>
@@ -7512,69 +7410,55 @@
           <a:lstStyle/>
           <a:p>
             <a:r>
-              <a:rPr lang="en-US" dirty="0" smtClean="0"/>
+              <a:rPr lang="en-US" dirty="0"/>
               <a:t>Lets Go Over</a:t>
             </a:r>
+          </a:p>
+        </p:txBody>
+      </p:sp>
+      <p:sp>
+        <p:nvSpPr>
+          <p:cNvPr id="3" name="Content Placeholder 2"/>
+          <p:cNvSpPr>
+            <a:spLocks noGrp="1"/>
+          </p:cNvSpPr>
+          <p:nvPr>
+            <p:ph sz="quarter" idx="1"/>
+          </p:nvPr>
+        </p:nvSpPr>
+        <p:spPr/>
+        <p:txBody>
+          <a:bodyPr/>
+          <a:lstStyle/>
+          <a:p>
+            <a:r>
+              <a:rPr lang="en-US" dirty="0"/>
+              <a:t>What is Lambda &amp; the Lambda dashboard?</a:t>
+            </a:r>
+          </a:p>
+          <a:p>
+            <a:r>
+              <a:rPr lang="en-US" dirty="0"/>
+              <a:t>Versioning with Lambda qualifiers</a:t>
+            </a:r>
+          </a:p>
+          <a:p>
+            <a:r>
+              <a:rPr lang="en-US" dirty="0"/>
+              <a:t>Lambda Layers</a:t>
+            </a:r>
+          </a:p>
+          <a:p>
+            <a:r>
+              <a:rPr lang="en-US" dirty="0"/>
+              <a:t>Local Development</a:t>
+            </a:r>
+          </a:p>
+          <a:p>
             <a:endParaRPr lang="en-US" dirty="0"/>
           </a:p>
-        </p:txBody>
-      </p:sp>
-      <p:sp>
-        <p:nvSpPr>
-          <p:cNvPr id="3" name="Content Placeholder 2"/>
-          <p:cNvSpPr>
-            <a:spLocks noGrp="1"/>
-          </p:cNvSpPr>
-          <p:nvPr>
-            <p:ph sz="quarter" idx="1"/>
-          </p:nvPr>
-        </p:nvSpPr>
-        <p:spPr/>
-        <p:txBody>
-          <a:bodyPr/>
-          <a:lstStyle/>
-          <a:p>
-            <a:r>
-              <a:rPr lang="en-US" dirty="0" smtClean="0"/>
-              <a:t>What is Lambda &amp; </a:t>
-            </a:r>
-            <a:r>
-              <a:rPr lang="en-US" dirty="0" smtClean="0"/>
-              <a:t>the Lambda dashboard</a:t>
-            </a:r>
-            <a:r>
-              <a:rPr lang="en-US" dirty="0" smtClean="0"/>
-              <a:t>?</a:t>
-            </a:r>
-          </a:p>
-          <a:p>
-            <a:r>
-              <a:rPr lang="en-US" dirty="0" smtClean="0"/>
-              <a:t>Versioning with Lambda qualifiers</a:t>
-            </a:r>
-            <a:endParaRPr lang="en-US" dirty="0" smtClean="0"/>
-          </a:p>
-          <a:p>
-            <a:r>
-              <a:rPr lang="en-US" dirty="0" smtClean="0"/>
-              <a:t>Lambda </a:t>
-            </a:r>
-            <a:r>
-              <a:rPr lang="en-US" dirty="0"/>
-              <a:t>Layers</a:t>
-            </a:r>
-          </a:p>
-          <a:p>
-            <a:r>
-              <a:rPr lang="en-US" dirty="0"/>
-              <a:t>Local Development</a:t>
-            </a:r>
-          </a:p>
-          <a:p>
-            <a:endParaRPr lang="en-US" dirty="0" smtClean="0"/>
-          </a:p>
-          <a:p>
-            <a:endParaRPr lang="en-US" dirty="0" smtClean="0"/>
+          <a:p>
+            <a:endParaRPr lang="en-US" dirty="0"/>
           </a:p>
           <a:p>
             <a:endParaRPr lang="en-US" dirty="0"/>
@@ -7591,13 +7475,6 @@
   <p:clrMapOvr>
     <a:masterClrMapping/>
   </p:clrMapOvr>
-  <p:timing>
-    <p:tnLst>
-      <p:par>
-        <p:cTn xmlns:p14="http://schemas.microsoft.com/office/powerpoint/2010/main" id="1" dur="indefinite" restart="never" nodeType="tmRoot"/>
-      </p:par>
-    </p:tnLst>
-  </p:timing>
 </p:sld>
 </file>
 
@@ -7620,7 +7497,13 @@
       </p:grpSpPr>
       <p:sp>
         <p:nvSpPr>
-          <p:cNvPr id="2" name="Title 1"/>
+          <p:cNvPr id="2" name="Title 1">
+            <a:extLst>
+              <a:ext uri="{FF2B5EF4-FFF2-40B4-BE49-F238E27FC236}">
+                <a16:creationId xmlns:a16="http://schemas.microsoft.com/office/drawing/2014/main" id="{D03235CD-7B60-E449-BE8F-7B20E4CF8894}"/>
+              </a:ext>
+            </a:extLst>
+          </p:cNvPr>
           <p:cNvSpPr>
             <a:spLocks noGrp="1"/>
           </p:cNvSpPr>
@@ -7633,90 +7516,49 @@
           <a:bodyPr/>
           <a:lstStyle/>
           <a:p>
-            <a:r>
-              <a:rPr lang="en-US" dirty="0" smtClean="0"/>
-              <a:t>Running Lambda Locally</a:t>
-            </a:r>
-            <a:endParaRPr lang="en-US" dirty="0"/>
-          </a:p>
-        </p:txBody>
-      </p:sp>
-      <p:sp>
-        <p:nvSpPr>
-          <p:cNvPr id="3" name="Content Placeholder 2"/>
-          <p:cNvSpPr>
-            <a:spLocks noGrp="1"/>
-          </p:cNvSpPr>
+            <a:endParaRPr lang="en-US"/>
+          </a:p>
+        </p:txBody>
+      </p:sp>
+      <p:pic>
+        <p:nvPicPr>
+          <p:cNvPr id="5" name="Content Placeholder 4">
+            <a:extLst>
+              <a:ext uri="{FF2B5EF4-FFF2-40B4-BE49-F238E27FC236}">
+                <a16:creationId xmlns:a16="http://schemas.microsoft.com/office/drawing/2014/main" id="{3D2ECB96-DBF5-8F4C-BC72-C3EEE066A208}"/>
+              </a:ext>
+            </a:extLst>
+          </p:cNvPr>
+          <p:cNvPicPr>
+            <a:picLocks noGrp="1" noChangeAspect="1"/>
+          </p:cNvPicPr>
           <p:nvPr>
             <p:ph sz="quarter" idx="1"/>
           </p:nvPr>
-        </p:nvSpPr>
-        <p:spPr/>
-        <p:txBody>
-          <a:bodyPr/>
-          <a:lstStyle/>
-          <a:p>
-            <a:r>
-              <a:rPr lang="en-US" dirty="0" smtClean="0"/>
-              <a:t>From the command line use SAM to trigger your function</a:t>
-            </a:r>
-          </a:p>
-          <a:p>
-            <a:r>
-              <a:rPr lang="en-US" dirty="0" smtClean="0"/>
-              <a:t>Can run with or without the debugging</a:t>
-            </a:r>
-          </a:p>
-          <a:p>
-            <a:pPr lvl="1"/>
-            <a:r>
-              <a:rPr lang="en-US" dirty="0" smtClean="0"/>
-              <a:t>Use debugging flag --debug-port 5858 to connect to debugger</a:t>
-            </a:r>
-          </a:p>
-          <a:p>
-            <a:pPr lvl="1"/>
-            <a:r>
-              <a:rPr lang="en-US" dirty="0" smtClean="0"/>
-              <a:t>Without debug flag will execute your function similar to running in the dashboard</a:t>
-            </a:r>
-          </a:p>
-          <a:p>
-            <a:r>
-              <a:rPr lang="en-US" i="1" dirty="0" err="1" smtClean="0"/>
-              <a:t>sam</a:t>
-            </a:r>
-            <a:r>
-              <a:rPr lang="en-US" i="1" dirty="0" smtClean="0"/>
-              <a:t> </a:t>
-            </a:r>
-            <a:r>
-              <a:rPr lang="en-US" i="1" dirty="0"/>
-              <a:t>local invoke </a:t>
-            </a:r>
-            <a:r>
-              <a:rPr lang="en-US" i="1" dirty="0" err="1"/>
-              <a:t>LocalLambda</a:t>
-            </a:r>
-            <a:r>
-              <a:rPr lang="en-US" i="1" dirty="0"/>
-              <a:t> -e test-events/</a:t>
-            </a:r>
-            <a:r>
-              <a:rPr lang="en-US" i="1" dirty="0" err="1"/>
-              <a:t>videogames.json</a:t>
-            </a:r>
-            <a:r>
-              <a:rPr lang="en-US" i="1" dirty="0"/>
-              <a:t> --debug-port 5858</a:t>
-            </a:r>
-          </a:p>
-        </p:txBody>
-      </p:sp>
+        </p:nvPicPr>
+        <p:blipFill>
+          <a:blip r:embed="rId2">
+            <a:extLst>
+              <a:ext uri="{28A0092B-C50C-407E-A947-70E740481C1C}">
+                <a14:useLocalDpi xmlns:a14="http://schemas.microsoft.com/office/drawing/2010/main" val="0"/>
+              </a:ext>
+            </a:extLst>
+          </a:blip>
+          <a:stretch>
+            <a:fillRect/>
+          </a:stretch>
+        </p:blipFill>
+        <p:spPr>
+          <a:xfrm>
+            <a:off x="-293293" y="-296562"/>
+            <a:ext cx="9840309" cy="7241059"/>
+          </a:xfrm>
+        </p:spPr>
+      </p:pic>
     </p:spTree>
     <p:extLst>
       <p:ext uri="{BB962C8B-B14F-4D97-AF65-F5344CB8AC3E}">
-        <p14:creationId xmlns:p14="http://schemas.microsoft.com/office/powerpoint/2010/main" val="3847961662"/>
+        <p14:creationId xmlns:p14="http://schemas.microsoft.com/office/powerpoint/2010/main" val="1267779329"/>
       </p:ext>
     </p:extLst>
   </p:cSld>
@@ -7745,7 +7587,13 @@
       </p:grpSpPr>
       <p:sp>
         <p:nvSpPr>
-          <p:cNvPr id="2" name="Title 1"/>
+          <p:cNvPr id="2" name="Title 1">
+            <a:extLst>
+              <a:ext uri="{FF2B5EF4-FFF2-40B4-BE49-F238E27FC236}">
+                <a16:creationId xmlns:a16="http://schemas.microsoft.com/office/drawing/2014/main" id="{6D4A8646-4535-C14D-BF40-8EEB618C748C}"/>
+              </a:ext>
+            </a:extLst>
+          </p:cNvPr>
           <p:cNvSpPr>
             <a:spLocks noGrp="1"/>
           </p:cNvSpPr>
@@ -7759,76 +7607,55 @@
           <a:lstStyle/>
           <a:p>
             <a:r>
-              <a:rPr lang="en-US" dirty="0" smtClean="0"/>
-              <a:t>Debugging</a:t>
+              <a:rPr lang="en-US" dirty="0"/>
+              <a:t>Lambda Layers</a:t>
+            </a:r>
+          </a:p>
+        </p:txBody>
+      </p:sp>
+      <p:sp>
+        <p:nvSpPr>
+          <p:cNvPr id="3" name="Content Placeholder 2">
+            <a:extLst>
+              <a:ext uri="{FF2B5EF4-FFF2-40B4-BE49-F238E27FC236}">
+                <a16:creationId xmlns:a16="http://schemas.microsoft.com/office/drawing/2014/main" id="{70E7EB01-F6B8-7642-90A1-52A9731AB4AF}"/>
+              </a:ext>
+            </a:extLst>
+          </p:cNvPr>
+          <p:cNvSpPr>
+            <a:spLocks noGrp="1"/>
+          </p:cNvSpPr>
+          <p:nvPr>
+            <p:ph sz="quarter" idx="1"/>
+          </p:nvPr>
+        </p:nvSpPr>
+        <p:spPr/>
+        <p:txBody>
+          <a:bodyPr/>
+          <a:lstStyle/>
+          <a:p>
+            <a:r>
+              <a:rPr lang="en-US" dirty="0"/>
+              <a:t>Include your layer ARN’s inside the resources section of your </a:t>
+            </a:r>
+            <a:r>
+              <a:rPr lang="en-US" dirty="0" err="1"/>
+              <a:t>template.yml</a:t>
             </a:r>
             <a:endParaRPr lang="en-US" dirty="0"/>
           </a:p>
-        </p:txBody>
-      </p:sp>
-      <p:sp>
-        <p:nvSpPr>
-          <p:cNvPr id="3" name="Content Placeholder 2"/>
-          <p:cNvSpPr>
-            <a:spLocks noGrp="1"/>
-          </p:cNvSpPr>
-          <p:nvPr>
-            <p:ph sz="quarter" idx="1"/>
-          </p:nvPr>
-        </p:nvSpPr>
-        <p:spPr/>
-        <p:txBody>
-          <a:bodyPr/>
-          <a:lstStyle/>
-          <a:p>
-            <a:r>
-              <a:rPr lang="en-US" dirty="0" smtClean="0"/>
-              <a:t>If running with --debug-flag 5858 connect VS Code debugger</a:t>
-            </a:r>
-          </a:p>
-          <a:p>
-            <a:r>
-              <a:rPr lang="en-US" dirty="0" smtClean="0"/>
-              <a:t>Debug menu -&gt; select debug configuration -&gt; Play</a:t>
-            </a:r>
-          </a:p>
-          <a:p>
-            <a:pPr lvl="1"/>
-            <a:r>
-              <a:rPr lang="en-US" dirty="0" smtClean="0"/>
-              <a:t>One to one map with </a:t>
-            </a:r>
-            <a:r>
-              <a:rPr lang="en-US" dirty="0" err="1" smtClean="0"/>
-              <a:t>template.yml</a:t>
-            </a:r>
-            <a:endParaRPr lang="en-US" dirty="0" smtClean="0"/>
-          </a:p>
-          <a:p>
-            <a:r>
-              <a:rPr lang="en-US" dirty="0" smtClean="0"/>
-              <a:t>Breakpoints will stop code</a:t>
-            </a:r>
-          </a:p>
-          <a:p>
-            <a:r>
-              <a:rPr lang="en-US" dirty="0" smtClean="0"/>
-              <a:t>Step in/over code</a:t>
-            </a:r>
-          </a:p>
-          <a:p>
-            <a:r>
-              <a:rPr lang="en-US" dirty="0" smtClean="0"/>
-              <a:t>Evaluate Watch, Call Stack, and Debug console</a:t>
-            </a:r>
-            <a:endParaRPr lang="en-US" dirty="0"/>
+          <a:p>
+            <a:r>
+              <a:rPr lang="en-US" dirty="0"/>
+              <a:t>Layers are reusable</a:t>
+            </a:r>
           </a:p>
         </p:txBody>
       </p:sp>
     </p:spTree>
     <p:extLst>
       <p:ext uri="{BB962C8B-B14F-4D97-AF65-F5344CB8AC3E}">
-        <p14:creationId xmlns:p14="http://schemas.microsoft.com/office/powerpoint/2010/main" val="1606607215"/>
+        <p14:creationId xmlns:p14="http://schemas.microsoft.com/office/powerpoint/2010/main" val="248675817"/>
       </p:ext>
     </p:extLst>
   </p:cSld>
@@ -7857,7 +7684,13 @@
       </p:grpSpPr>
       <p:sp>
         <p:nvSpPr>
-          <p:cNvPr id="2" name="Title 1"/>
+          <p:cNvPr id="2" name="Title 1">
+            <a:extLst>
+              <a:ext uri="{FF2B5EF4-FFF2-40B4-BE49-F238E27FC236}">
+                <a16:creationId xmlns:a16="http://schemas.microsoft.com/office/drawing/2014/main" id="{8210FD01-9571-7D45-AEA1-9E6C1073B652}"/>
+              </a:ext>
+            </a:extLst>
+          </p:cNvPr>
           <p:cNvSpPr>
             <a:spLocks noGrp="1"/>
           </p:cNvSpPr>
@@ -7870,33 +7703,98 @@
           <a:bodyPr/>
           <a:lstStyle/>
           <a:p>
-            <a:r>
-              <a:rPr lang="en-US" dirty="0" smtClean="0"/>
-              <a:t>Debug All the Things Demo</a:t>
+            <a:endParaRPr lang="en-US"/>
+          </a:p>
+        </p:txBody>
+      </p:sp>
+      <p:sp>
+        <p:nvSpPr>
+          <p:cNvPr id="3" name="Content Placeholder 2">
+            <a:extLst>
+              <a:ext uri="{FF2B5EF4-FFF2-40B4-BE49-F238E27FC236}">
+                <a16:creationId xmlns:a16="http://schemas.microsoft.com/office/drawing/2014/main" id="{FD337EB8-D98C-ED47-AB5E-3943B9A015CF}"/>
+              </a:ext>
+            </a:extLst>
+          </p:cNvPr>
+          <p:cNvSpPr>
+            <a:spLocks noGrp="1"/>
+          </p:cNvSpPr>
+          <p:nvPr>
+            <p:ph sz="quarter" idx="1"/>
+          </p:nvPr>
+        </p:nvSpPr>
+        <p:spPr/>
+        <p:txBody>
+          <a:bodyPr/>
+          <a:lstStyle/>
+          <a:p>
+            <a:r>
+              <a:rPr lang="en-US" dirty="0"/>
+              <a:t>Create debugging </a:t>
+            </a:r>
+            <a:r>
+              <a:rPr lang="en-US" dirty="0" err="1"/>
+              <a:t>config</a:t>
+            </a:r>
+            <a:r>
+              <a:rPr lang="en-US" dirty="0"/>
+              <a:t> in VS Code</a:t>
+            </a:r>
+          </a:p>
+          <a:p>
+            <a:pPr lvl="1"/>
+            <a:r>
+              <a:rPr lang="en-US" dirty="0"/>
+              <a:t>Add debug configuration -&gt; dropdown -&gt; add new configuration</a:t>
+            </a:r>
+          </a:p>
+          <a:p>
+            <a:pPr lvl="1"/>
+            <a:r>
+              <a:rPr lang="en-US" dirty="0" err="1"/>
+              <a:t>Config</a:t>
+            </a:r>
+            <a:r>
+              <a:rPr lang="en-US" dirty="0"/>
+              <a:t> type is </a:t>
+            </a:r>
+            <a:r>
+              <a:rPr lang="en-US" dirty="0" err="1"/>
+              <a:t>nodeJS</a:t>
             </a:r>
             <a:endParaRPr lang="en-US" dirty="0"/>
           </a:p>
-        </p:txBody>
-      </p:sp>
-      <p:sp>
-        <p:nvSpPr>
-          <p:cNvPr id="3" name="Content Placeholder 2"/>
-          <p:cNvSpPr>
-            <a:spLocks noGrp="1"/>
-          </p:cNvSpPr>
-          <p:nvPr>
-            <p:ph sz="quarter" idx="1"/>
-          </p:nvPr>
-        </p:nvSpPr>
-        <p:spPr/>
-        <p:txBody>
-          <a:bodyPr/>
-          <a:lstStyle/>
-          <a:p>
-            <a:r>
-              <a:rPr lang="en-US" dirty="0" smtClean="0"/>
-              <a:t>Run Lambda code locally with Debug</a:t>
-            </a:r>
+          <a:p>
+            <a:pPr lvl="1"/>
+            <a:r>
+              <a:rPr lang="en-US" dirty="0"/>
+              <a:t>See repo for </a:t>
+            </a:r>
+            <a:r>
+              <a:rPr lang="en-US" dirty="0" err="1"/>
+              <a:t>launch.json</a:t>
+            </a:r>
+            <a:endParaRPr lang="en-US" dirty="0"/>
+          </a:p>
+          <a:p>
+            <a:pPr lvl="1"/>
+            <a:r>
+              <a:rPr lang="en-US" dirty="0"/>
+              <a:t>One configuration item per function, matches 1-1 with </a:t>
+            </a:r>
+            <a:r>
+              <a:rPr lang="en-US" dirty="0" err="1"/>
+              <a:t>template.yml</a:t>
+            </a:r>
+            <a:r>
+              <a:rPr lang="en-US" dirty="0"/>
+              <a:t> entries</a:t>
+            </a:r>
+          </a:p>
+          <a:p>
+            <a:pPr marL="0" indent="0">
+              <a:buNone/>
+            </a:pPr>
             <a:endParaRPr lang="en-US" dirty="0"/>
           </a:p>
         </p:txBody>
@@ -7904,7 +7802,7 @@
     </p:spTree>
     <p:extLst>
       <p:ext uri="{BB962C8B-B14F-4D97-AF65-F5344CB8AC3E}">
-        <p14:creationId xmlns:p14="http://schemas.microsoft.com/office/powerpoint/2010/main" val="2858982930"/>
+        <p14:creationId xmlns:p14="http://schemas.microsoft.com/office/powerpoint/2010/main" val="1425845377"/>
       </p:ext>
     </p:extLst>
   </p:cSld>
@@ -7931,114 +7829,45 @@
           <a:chExt cx="0" cy="0"/>
         </a:xfrm>
       </p:grpSpPr>
-      <p:sp>
-        <p:nvSpPr>
-          <p:cNvPr id="2" name="Title 1"/>
-          <p:cNvSpPr>
-            <a:spLocks noGrp="1"/>
-          </p:cNvSpPr>
-          <p:nvPr>
-            <p:ph type="title"/>
-          </p:nvPr>
-        </p:nvSpPr>
-        <p:spPr/>
-        <p:txBody>
-          <a:bodyPr/>
-          <a:lstStyle/>
-          <a:p>
-            <a:r>
-              <a:rPr lang="en-US" dirty="0" smtClean="0"/>
-              <a:t>In Closing	</a:t>
-            </a:r>
-            <a:endParaRPr lang="en-US" dirty="0"/>
-          </a:p>
-        </p:txBody>
-      </p:sp>
-      <p:sp>
-        <p:nvSpPr>
-          <p:cNvPr id="3" name="Content Placeholder 2"/>
-          <p:cNvSpPr>
-            <a:spLocks noGrp="1"/>
-          </p:cNvSpPr>
+      <p:pic>
+        <p:nvPicPr>
+          <p:cNvPr id="5" name="Content Placeholder 4">
+            <a:extLst>
+              <a:ext uri="{FF2B5EF4-FFF2-40B4-BE49-F238E27FC236}">
+                <a16:creationId xmlns:a16="http://schemas.microsoft.com/office/drawing/2014/main" id="{CD2DADE1-CA56-8148-BC5F-BCF16FE53EB9}"/>
+              </a:ext>
+            </a:extLst>
+          </p:cNvPr>
+          <p:cNvPicPr>
+            <a:picLocks noGrp="1" noChangeAspect="1"/>
+          </p:cNvPicPr>
           <p:nvPr>
             <p:ph sz="quarter" idx="1"/>
           </p:nvPr>
-        </p:nvSpPr>
-        <p:spPr/>
-        <p:txBody>
-          <a:bodyPr/>
-          <a:lstStyle/>
-          <a:p>
-            <a:r>
-              <a:rPr lang="en-US" dirty="0" smtClean="0"/>
-              <a:t>More Lambda features</a:t>
-            </a:r>
-          </a:p>
-          <a:p>
-            <a:pPr lvl="1"/>
-            <a:r>
-              <a:rPr lang="en-US" dirty="0" smtClean="0"/>
-              <a:t>Applications</a:t>
-            </a:r>
-          </a:p>
-          <a:p>
-            <a:pPr lvl="1"/>
-            <a:r>
-              <a:rPr lang="en-US" dirty="0" smtClean="0"/>
-              <a:t>Monitoring</a:t>
-            </a:r>
-          </a:p>
-          <a:p>
-            <a:pPr lvl="1"/>
-            <a:r>
-              <a:rPr lang="en-US" dirty="0" smtClean="0"/>
-              <a:t>Code Deploy</a:t>
-            </a:r>
-          </a:p>
-          <a:p>
-            <a:r>
-              <a:rPr lang="en-US" dirty="0" smtClean="0"/>
-              <a:t>Create triggers to use Lambda functions in other AWS services</a:t>
-            </a:r>
-          </a:p>
-          <a:p>
-            <a:r>
-              <a:rPr lang="en-US" dirty="0" smtClean="0"/>
-              <a:t>Free </a:t>
-            </a:r>
-            <a:r>
-              <a:rPr lang="en-US" dirty="0"/>
-              <a:t>AWS Event: </a:t>
-            </a:r>
-            <a:r>
-              <a:rPr lang="en-US" dirty="0">
-                <a:hlinkClick r:id="rId2"/>
-              </a:rPr>
-              <a:t>https://aws.amazon.com/events/summits/santa-</a:t>
-            </a:r>
-            <a:r>
-              <a:rPr lang="en-US" dirty="0" smtClean="0">
-                <a:hlinkClick r:id="rId2"/>
-              </a:rPr>
-              <a:t>clara</a:t>
-            </a:r>
-            <a:endParaRPr lang="en-US" dirty="0" smtClean="0"/>
-          </a:p>
-          <a:p>
-            <a:endParaRPr lang="en-US" dirty="0"/>
-          </a:p>
-          <a:p>
-            <a:pPr marL="0" indent="0">
-              <a:buNone/>
-            </a:pPr>
-            <a:endParaRPr lang="en-US" dirty="0"/>
-          </a:p>
-        </p:txBody>
-      </p:sp>
+        </p:nvPicPr>
+        <p:blipFill>
+          <a:blip r:embed="rId2">
+            <a:extLst>
+              <a:ext uri="{28A0092B-C50C-407E-A947-70E740481C1C}">
+                <a14:useLocalDpi xmlns:a14="http://schemas.microsoft.com/office/drawing/2010/main" val="0"/>
+              </a:ext>
+            </a:extLst>
+          </a:blip>
+          <a:stretch>
+            <a:fillRect/>
+          </a:stretch>
+        </p:blipFill>
+        <p:spPr>
+          <a:xfrm>
+            <a:off x="-617739" y="-383590"/>
+            <a:ext cx="10330151" cy="7082369"/>
+          </a:xfrm>
+        </p:spPr>
+      </p:pic>
     </p:spTree>
     <p:extLst>
       <p:ext uri="{BB962C8B-B14F-4D97-AF65-F5344CB8AC3E}">
-        <p14:creationId xmlns:p14="http://schemas.microsoft.com/office/powerpoint/2010/main" val="991551632"/>
+        <p14:creationId xmlns:p14="http://schemas.microsoft.com/office/powerpoint/2010/main" val="2173530271"/>
       </p:ext>
     </p:extLst>
   </p:cSld>
@@ -8081,10 +7910,9 @@
           <a:lstStyle/>
           <a:p>
             <a:r>
-              <a:rPr lang="en-US" dirty="0" smtClean="0"/>
-              <a:t>Thanks!</a:t>
-            </a:r>
-            <a:endParaRPr lang="en-US" dirty="0"/>
+              <a:rPr lang="en-US" dirty="0"/>
+              <a:t>Test Events</a:t>
+            </a:r>
           </a:p>
         </p:txBody>
       </p:sp>
@@ -8104,79 +7932,565 @@
           <a:lstStyle/>
           <a:p>
             <a:r>
-              <a:rPr lang="en-US" dirty="0" smtClean="0"/>
-              <a:t>Drop me a line:</a:t>
-            </a:r>
-          </a:p>
-          <a:p>
-            <a:pPr lvl="1"/>
-            <a:r>
-              <a:rPr lang="en-US" dirty="0" err="1" smtClean="0"/>
-              <a:t>chris@chrismitchellonline.com</a:t>
-            </a:r>
-            <a:endParaRPr lang="en-US" dirty="0" smtClean="0"/>
-          </a:p>
-          <a:p>
-            <a:pPr lvl="1"/>
-            <a:r>
-              <a:rPr lang="en-US" dirty="0" smtClean="0"/>
-              <a:t>Twitter: @</a:t>
-            </a:r>
-            <a:r>
-              <a:rPr lang="en-US" dirty="0" err="1" smtClean="0"/>
-              <a:t>motobreath</a:t>
-            </a:r>
-            <a:endParaRPr lang="en-US" dirty="0" smtClean="0"/>
-          </a:p>
-          <a:p>
-            <a:pPr lvl="1"/>
-            <a:r>
-              <a:rPr lang="en-US" dirty="0" err="1" smtClean="0"/>
-              <a:t>Github</a:t>
-            </a:r>
-            <a:r>
-              <a:rPr lang="en-US" dirty="0" smtClean="0"/>
-              <a:t>: </a:t>
-            </a:r>
-            <a:r>
-              <a:rPr lang="en-US" dirty="0" smtClean="0">
-                <a:hlinkClick r:id="rId2"/>
-              </a:rPr>
-              <a:t>https://www.github.com/motobreath</a:t>
-            </a:r>
-            <a:endParaRPr lang="en-US" dirty="0" smtClean="0"/>
-          </a:p>
-          <a:p>
-            <a:pPr lvl="1"/>
-            <a:r>
-              <a:rPr lang="en-US" dirty="0" smtClean="0"/>
-              <a:t>Blog: </a:t>
-            </a:r>
-            <a:r>
-              <a:rPr lang="en-US" dirty="0" err="1" smtClean="0"/>
-              <a:t>blog.chrismitchellonline.com</a:t>
-            </a:r>
-            <a:endParaRPr lang="en-US" dirty="0"/>
+              <a:rPr lang="en-US" dirty="0"/>
+              <a:t>Each function needs a test event</a:t>
+            </a:r>
+          </a:p>
+          <a:p>
+            <a:r>
+              <a:rPr lang="en-US" dirty="0"/>
+              <a:t>JSON file that matches test events from either dashboard or other AWS triggers</a:t>
+            </a:r>
+          </a:p>
+          <a:p>
+            <a:r>
+              <a:rPr lang="en-US" dirty="0"/>
+              <a:t>One test event per function</a:t>
+            </a:r>
           </a:p>
         </p:txBody>
       </p:sp>
     </p:spTree>
     <p:extLst>
       <p:ext uri="{BB962C8B-B14F-4D97-AF65-F5344CB8AC3E}">
-        <p14:creationId xmlns:p14="http://schemas.microsoft.com/office/powerpoint/2010/main" val="1189260993"/>
+        <p14:creationId xmlns:p14="http://schemas.microsoft.com/office/powerpoint/2010/main" val="865357289"/>
       </p:ext>
     </p:extLst>
   </p:cSld>
   <p:clrMapOvr>
     <a:masterClrMapping/>
   </p:clrMapOvr>
-  <p:timing>
-    <p:tnLst>
-      <p:par>
-        <p:cTn xmlns:p14="http://schemas.microsoft.com/office/powerpoint/2010/main" id="1" dur="indefinite" restart="never" nodeType="tmRoot"/>
-      </p:par>
-    </p:tnLst>
-  </p:timing>
+</p:sld>
+</file>
+
+<file path=ppt/slides/slide25.xml><?xml version="1.0" encoding="utf-8"?>
+<p:sld xmlns:a="http://schemas.openxmlformats.org/drawingml/2006/main" xmlns:r="http://schemas.openxmlformats.org/officeDocument/2006/relationships" xmlns:p="http://schemas.openxmlformats.org/presentationml/2006/main">
+  <p:cSld>
+    <p:spTree>
+      <p:nvGrpSpPr>
+        <p:cNvPr id="1" name=""/>
+        <p:cNvGrpSpPr/>
+        <p:nvPr/>
+      </p:nvGrpSpPr>
+      <p:grpSpPr>
+        <a:xfrm>
+          <a:off x="0" y="0"/>
+          <a:ext cx="0" cy="0"/>
+          <a:chOff x="0" y="0"/>
+          <a:chExt cx="0" cy="0"/>
+        </a:xfrm>
+      </p:grpSpPr>
+      <p:sp>
+        <p:nvSpPr>
+          <p:cNvPr id="2" name="Title 1">
+            <a:extLst>
+              <a:ext uri="{FF2B5EF4-FFF2-40B4-BE49-F238E27FC236}">
+                <a16:creationId xmlns:a16="http://schemas.microsoft.com/office/drawing/2014/main" id="{72B12C46-5AE2-8740-ACBC-0DCD26FFBA84}"/>
+              </a:ext>
+            </a:extLst>
+          </p:cNvPr>
+          <p:cNvSpPr>
+            <a:spLocks noGrp="1"/>
+          </p:cNvSpPr>
+          <p:nvPr>
+            <p:ph type="title"/>
+          </p:nvPr>
+        </p:nvSpPr>
+        <p:spPr/>
+        <p:txBody>
+          <a:bodyPr/>
+          <a:lstStyle/>
+          <a:p>
+            <a:endParaRPr lang="en-US"/>
+          </a:p>
+        </p:txBody>
+      </p:sp>
+      <p:pic>
+        <p:nvPicPr>
+          <p:cNvPr id="5" name="Content Placeholder 4">
+            <a:extLst>
+              <a:ext uri="{FF2B5EF4-FFF2-40B4-BE49-F238E27FC236}">
+                <a16:creationId xmlns:a16="http://schemas.microsoft.com/office/drawing/2014/main" id="{0997E2D0-4DCD-3E44-822C-0304078BCFD5}"/>
+              </a:ext>
+            </a:extLst>
+          </p:cNvPr>
+          <p:cNvPicPr>
+            <a:picLocks noGrp="1" noChangeAspect="1"/>
+          </p:cNvPicPr>
+          <p:nvPr>
+            <p:ph sz="quarter" idx="1"/>
+          </p:nvPr>
+        </p:nvPicPr>
+        <p:blipFill>
+          <a:blip r:embed="rId2">
+            <a:extLst>
+              <a:ext uri="{28A0092B-C50C-407E-A947-70E740481C1C}">
+                <a14:useLocalDpi xmlns:a14="http://schemas.microsoft.com/office/drawing/2010/main" val="0"/>
+              </a:ext>
+            </a:extLst>
+          </a:blip>
+          <a:stretch>
+            <a:fillRect/>
+          </a:stretch>
+        </p:blipFill>
+        <p:spPr>
+          <a:xfrm>
+            <a:off x="0" y="-1066515"/>
+            <a:ext cx="9144000" cy="8944253"/>
+          </a:xfrm>
+        </p:spPr>
+      </p:pic>
+    </p:spTree>
+    <p:extLst>
+      <p:ext uri="{BB962C8B-B14F-4D97-AF65-F5344CB8AC3E}">
+        <p14:creationId xmlns:p14="http://schemas.microsoft.com/office/powerpoint/2010/main" val="2924950763"/>
+      </p:ext>
+    </p:extLst>
+  </p:cSld>
+  <p:clrMapOvr>
+    <a:masterClrMapping/>
+  </p:clrMapOvr>
+</p:sld>
+</file>
+
+<file path=ppt/slides/slide26.xml><?xml version="1.0" encoding="utf-8"?>
+<p:sld xmlns:a="http://schemas.openxmlformats.org/drawingml/2006/main" xmlns:r="http://schemas.openxmlformats.org/officeDocument/2006/relationships" xmlns:p="http://schemas.openxmlformats.org/presentationml/2006/main">
+  <p:cSld>
+    <p:spTree>
+      <p:nvGrpSpPr>
+        <p:cNvPr id="1" name=""/>
+        <p:cNvGrpSpPr/>
+        <p:nvPr/>
+      </p:nvGrpSpPr>
+      <p:grpSpPr>
+        <a:xfrm>
+          <a:off x="0" y="0"/>
+          <a:ext cx="0" cy="0"/>
+          <a:chOff x="0" y="0"/>
+          <a:chExt cx="0" cy="0"/>
+        </a:xfrm>
+      </p:grpSpPr>
+      <p:sp>
+        <p:nvSpPr>
+          <p:cNvPr id="2" name="Title 1"/>
+          <p:cNvSpPr>
+            <a:spLocks noGrp="1"/>
+          </p:cNvSpPr>
+          <p:nvPr>
+            <p:ph type="title"/>
+          </p:nvPr>
+        </p:nvSpPr>
+        <p:spPr/>
+        <p:txBody>
+          <a:bodyPr/>
+          <a:lstStyle/>
+          <a:p>
+            <a:r>
+              <a:rPr lang="en-US" dirty="0"/>
+              <a:t>Running Lambda Locally</a:t>
+            </a:r>
+          </a:p>
+        </p:txBody>
+      </p:sp>
+      <p:sp>
+        <p:nvSpPr>
+          <p:cNvPr id="3" name="Content Placeholder 2"/>
+          <p:cNvSpPr>
+            <a:spLocks noGrp="1"/>
+          </p:cNvSpPr>
+          <p:nvPr>
+            <p:ph sz="quarter" idx="1"/>
+          </p:nvPr>
+        </p:nvSpPr>
+        <p:spPr/>
+        <p:txBody>
+          <a:bodyPr>
+            <a:normAutofit/>
+          </a:bodyPr>
+          <a:lstStyle/>
+          <a:p>
+            <a:r>
+              <a:rPr lang="en-US" dirty="0"/>
+              <a:t>Bring it together: SAM-&gt;</a:t>
+            </a:r>
+            <a:r>
+              <a:rPr lang="en-US" dirty="0" err="1"/>
+              <a:t>template.yml</a:t>
+            </a:r>
+            <a:r>
+              <a:rPr lang="en-US" dirty="0"/>
+              <a:t> -&gt; VS Code debug </a:t>
+            </a:r>
+            <a:r>
+              <a:rPr lang="en-US" dirty="0" err="1"/>
+              <a:t>config</a:t>
+            </a:r>
+            <a:r>
+              <a:rPr lang="en-US" dirty="0"/>
+              <a:t> -&gt; test event</a:t>
+            </a:r>
+          </a:p>
+          <a:p>
+            <a:r>
+              <a:rPr lang="en-US" dirty="0"/>
+              <a:t>From the command line use SAM to trigger your function</a:t>
+            </a:r>
+          </a:p>
+          <a:p>
+            <a:r>
+              <a:rPr lang="en-US" dirty="0"/>
+              <a:t>Can run with or without the debugging</a:t>
+            </a:r>
+          </a:p>
+          <a:p>
+            <a:pPr lvl="1"/>
+            <a:r>
+              <a:rPr lang="en-US" dirty="0"/>
+              <a:t>Use debugging flag --debug-port 5858 to connect to debugger</a:t>
+            </a:r>
+          </a:p>
+          <a:p>
+            <a:pPr lvl="1"/>
+            <a:r>
+              <a:rPr lang="en-US" dirty="0"/>
+              <a:t>Without debug flag will execute your function similar to running in the dashboard</a:t>
+            </a:r>
+          </a:p>
+          <a:p>
+            <a:r>
+              <a:rPr lang="en-US" i="1" dirty="0" err="1"/>
+              <a:t>sam</a:t>
+            </a:r>
+            <a:r>
+              <a:rPr lang="en-US" i="1" dirty="0"/>
+              <a:t> local invoke </a:t>
+            </a:r>
+            <a:r>
+              <a:rPr lang="en-US" i="1" dirty="0" err="1"/>
+              <a:t>LocalLambda</a:t>
+            </a:r>
+            <a:r>
+              <a:rPr lang="en-US" i="1" dirty="0"/>
+              <a:t> -e test-events/</a:t>
+            </a:r>
+            <a:r>
+              <a:rPr lang="en-US" i="1" dirty="0" err="1"/>
+              <a:t>videogames.json</a:t>
+            </a:r>
+            <a:r>
+              <a:rPr lang="en-US" i="1" dirty="0"/>
+              <a:t> --debug-port 5858</a:t>
+            </a:r>
+          </a:p>
+        </p:txBody>
+      </p:sp>
+    </p:spTree>
+    <p:extLst>
+      <p:ext uri="{BB962C8B-B14F-4D97-AF65-F5344CB8AC3E}">
+        <p14:creationId xmlns:p14="http://schemas.microsoft.com/office/powerpoint/2010/main" val="3847961662"/>
+      </p:ext>
+    </p:extLst>
+  </p:cSld>
+  <p:clrMapOvr>
+    <a:masterClrMapping/>
+  </p:clrMapOvr>
+</p:sld>
+</file>
+
+<file path=ppt/slides/slide27.xml><?xml version="1.0" encoding="utf-8"?>
+<p:sld xmlns:a="http://schemas.openxmlformats.org/drawingml/2006/main" xmlns:r="http://schemas.openxmlformats.org/officeDocument/2006/relationships" xmlns:p="http://schemas.openxmlformats.org/presentationml/2006/main">
+  <p:cSld>
+    <p:spTree>
+      <p:nvGrpSpPr>
+        <p:cNvPr id="1" name=""/>
+        <p:cNvGrpSpPr/>
+        <p:nvPr/>
+      </p:nvGrpSpPr>
+      <p:grpSpPr>
+        <a:xfrm>
+          <a:off x="0" y="0"/>
+          <a:ext cx="0" cy="0"/>
+          <a:chOff x="0" y="0"/>
+          <a:chExt cx="0" cy="0"/>
+        </a:xfrm>
+      </p:grpSpPr>
+      <p:sp>
+        <p:nvSpPr>
+          <p:cNvPr id="2" name="Title 1"/>
+          <p:cNvSpPr>
+            <a:spLocks noGrp="1"/>
+          </p:cNvSpPr>
+          <p:nvPr>
+            <p:ph type="title"/>
+          </p:nvPr>
+        </p:nvSpPr>
+        <p:spPr/>
+        <p:txBody>
+          <a:bodyPr/>
+          <a:lstStyle/>
+          <a:p>
+            <a:r>
+              <a:rPr lang="en-US" dirty="0"/>
+              <a:t>Debugging</a:t>
+            </a:r>
+          </a:p>
+        </p:txBody>
+      </p:sp>
+      <p:sp>
+        <p:nvSpPr>
+          <p:cNvPr id="3" name="Content Placeholder 2"/>
+          <p:cNvSpPr>
+            <a:spLocks noGrp="1"/>
+          </p:cNvSpPr>
+          <p:nvPr>
+            <p:ph sz="quarter" idx="1"/>
+          </p:nvPr>
+        </p:nvSpPr>
+        <p:spPr/>
+        <p:txBody>
+          <a:bodyPr/>
+          <a:lstStyle/>
+          <a:p>
+            <a:r>
+              <a:rPr lang="en-US" dirty="0"/>
+              <a:t>If running with --debug-flag 5858 connect VS Code debugger</a:t>
+            </a:r>
+          </a:p>
+          <a:p>
+            <a:r>
+              <a:rPr lang="en-US" dirty="0"/>
+              <a:t>Debug menu -&gt; select debug configuration -&gt; Play</a:t>
+            </a:r>
+          </a:p>
+          <a:p>
+            <a:pPr lvl="1"/>
+            <a:r>
+              <a:rPr lang="en-US" dirty="0"/>
+              <a:t>One to one map with </a:t>
+            </a:r>
+            <a:r>
+              <a:rPr lang="en-US" dirty="0" err="1"/>
+              <a:t>template.yml</a:t>
+            </a:r>
+            <a:endParaRPr lang="en-US" dirty="0"/>
+          </a:p>
+          <a:p>
+            <a:r>
+              <a:rPr lang="en-US" dirty="0"/>
+              <a:t>Breakpoints will stop code</a:t>
+            </a:r>
+          </a:p>
+          <a:p>
+            <a:r>
+              <a:rPr lang="en-US" dirty="0"/>
+              <a:t>Step in/over code</a:t>
+            </a:r>
+          </a:p>
+          <a:p>
+            <a:r>
+              <a:rPr lang="en-US" dirty="0"/>
+              <a:t>Evaluate Watch, Call Stack, and Debug console</a:t>
+            </a:r>
+          </a:p>
+        </p:txBody>
+      </p:sp>
+    </p:spTree>
+    <p:extLst>
+      <p:ext uri="{BB962C8B-B14F-4D97-AF65-F5344CB8AC3E}">
+        <p14:creationId xmlns:p14="http://schemas.microsoft.com/office/powerpoint/2010/main" val="1606607215"/>
+      </p:ext>
+    </p:extLst>
+  </p:cSld>
+  <p:clrMapOvr>
+    <a:masterClrMapping/>
+  </p:clrMapOvr>
+</p:sld>
+</file>
+
+<file path=ppt/slides/slide28.xml><?xml version="1.0" encoding="utf-8"?>
+<p:sld xmlns:a="http://schemas.openxmlformats.org/drawingml/2006/main" xmlns:r="http://schemas.openxmlformats.org/officeDocument/2006/relationships" xmlns:p="http://schemas.openxmlformats.org/presentationml/2006/main">
+  <p:cSld>
+    <p:spTree>
+      <p:nvGrpSpPr>
+        <p:cNvPr id="1" name=""/>
+        <p:cNvGrpSpPr/>
+        <p:nvPr/>
+      </p:nvGrpSpPr>
+      <p:grpSpPr>
+        <a:xfrm>
+          <a:off x="0" y="0"/>
+          <a:ext cx="0" cy="0"/>
+          <a:chOff x="0" y="0"/>
+          <a:chExt cx="0" cy="0"/>
+        </a:xfrm>
+      </p:grpSpPr>
+      <p:sp>
+        <p:nvSpPr>
+          <p:cNvPr id="2" name="Title 1"/>
+          <p:cNvSpPr>
+            <a:spLocks noGrp="1"/>
+          </p:cNvSpPr>
+          <p:nvPr>
+            <p:ph type="title"/>
+          </p:nvPr>
+        </p:nvSpPr>
+        <p:spPr/>
+        <p:txBody>
+          <a:bodyPr/>
+          <a:lstStyle/>
+          <a:p>
+            <a:r>
+              <a:rPr lang="en-US" dirty="0"/>
+              <a:t>Debug All the Things Demo</a:t>
+            </a:r>
+          </a:p>
+        </p:txBody>
+      </p:sp>
+      <p:sp>
+        <p:nvSpPr>
+          <p:cNvPr id="3" name="Content Placeholder 2"/>
+          <p:cNvSpPr>
+            <a:spLocks noGrp="1"/>
+          </p:cNvSpPr>
+          <p:nvPr>
+            <p:ph sz="quarter" idx="1"/>
+          </p:nvPr>
+        </p:nvSpPr>
+        <p:spPr/>
+        <p:txBody>
+          <a:bodyPr/>
+          <a:lstStyle/>
+          <a:p>
+            <a:r>
+              <a:rPr lang="en-US" dirty="0"/>
+              <a:t>Run Lambda code locally with Debug</a:t>
+            </a:r>
+          </a:p>
+        </p:txBody>
+      </p:sp>
+    </p:spTree>
+    <p:extLst>
+      <p:ext uri="{BB962C8B-B14F-4D97-AF65-F5344CB8AC3E}">
+        <p14:creationId xmlns:p14="http://schemas.microsoft.com/office/powerpoint/2010/main" val="2858982930"/>
+      </p:ext>
+    </p:extLst>
+  </p:cSld>
+  <p:clrMapOvr>
+    <a:masterClrMapping/>
+  </p:clrMapOvr>
+</p:sld>
+</file>
+
+<file path=ppt/slides/slide29.xml><?xml version="1.0" encoding="utf-8"?>
+<p:sld xmlns:a="http://schemas.openxmlformats.org/drawingml/2006/main" xmlns:r="http://schemas.openxmlformats.org/officeDocument/2006/relationships" xmlns:p="http://schemas.openxmlformats.org/presentationml/2006/main">
+  <p:cSld>
+    <p:spTree>
+      <p:nvGrpSpPr>
+        <p:cNvPr id="1" name=""/>
+        <p:cNvGrpSpPr/>
+        <p:nvPr/>
+      </p:nvGrpSpPr>
+      <p:grpSpPr>
+        <a:xfrm>
+          <a:off x="0" y="0"/>
+          <a:ext cx="0" cy="0"/>
+          <a:chOff x="0" y="0"/>
+          <a:chExt cx="0" cy="0"/>
+        </a:xfrm>
+      </p:grpSpPr>
+      <p:sp>
+        <p:nvSpPr>
+          <p:cNvPr id="2" name="Title 1"/>
+          <p:cNvSpPr>
+            <a:spLocks noGrp="1"/>
+          </p:cNvSpPr>
+          <p:nvPr>
+            <p:ph type="title"/>
+          </p:nvPr>
+        </p:nvSpPr>
+        <p:spPr/>
+        <p:txBody>
+          <a:bodyPr/>
+          <a:lstStyle/>
+          <a:p>
+            <a:r>
+              <a:rPr lang="en-US" dirty="0"/>
+              <a:t>In Closing	</a:t>
+            </a:r>
+          </a:p>
+        </p:txBody>
+      </p:sp>
+      <p:sp>
+        <p:nvSpPr>
+          <p:cNvPr id="3" name="Content Placeholder 2"/>
+          <p:cNvSpPr>
+            <a:spLocks noGrp="1"/>
+          </p:cNvSpPr>
+          <p:nvPr>
+            <p:ph sz="quarter" idx="1"/>
+          </p:nvPr>
+        </p:nvSpPr>
+        <p:spPr/>
+        <p:txBody>
+          <a:bodyPr/>
+          <a:lstStyle/>
+          <a:p>
+            <a:r>
+              <a:rPr lang="en-US" dirty="0"/>
+              <a:t>More Lambda features</a:t>
+            </a:r>
+          </a:p>
+          <a:p>
+            <a:pPr lvl="1"/>
+            <a:r>
+              <a:rPr lang="en-US" dirty="0"/>
+              <a:t>Applications</a:t>
+            </a:r>
+          </a:p>
+          <a:p>
+            <a:pPr lvl="1"/>
+            <a:r>
+              <a:rPr lang="en-US" dirty="0"/>
+              <a:t>Monitoring</a:t>
+            </a:r>
+          </a:p>
+          <a:p>
+            <a:pPr lvl="1"/>
+            <a:r>
+              <a:rPr lang="en-US" dirty="0"/>
+              <a:t>Code Deploy</a:t>
+            </a:r>
+          </a:p>
+          <a:p>
+            <a:r>
+              <a:rPr lang="en-US" dirty="0"/>
+              <a:t>Create triggers to use Lambda functions in other AWS services</a:t>
+            </a:r>
+          </a:p>
+          <a:p>
+            <a:pPr marL="0" indent="0">
+              <a:buNone/>
+            </a:pPr>
+            <a:endParaRPr lang="en-US" dirty="0"/>
+          </a:p>
+          <a:p>
+            <a:pPr marL="0" indent="0">
+              <a:buNone/>
+            </a:pPr>
+            <a:endParaRPr lang="en-US" dirty="0"/>
+          </a:p>
+        </p:txBody>
+      </p:sp>
+    </p:spTree>
+    <p:extLst>
+      <p:ext uri="{BB962C8B-B14F-4D97-AF65-F5344CB8AC3E}">
+        <p14:creationId xmlns:p14="http://schemas.microsoft.com/office/powerpoint/2010/main" val="991551632"/>
+      </p:ext>
+    </p:extLst>
+  </p:cSld>
+  <p:clrMapOvr>
+    <a:masterClrMapping/>
+  </p:clrMapOvr>
 </p:sld>
 </file>
 
@@ -8215,10 +8529,9 @@
           <a:lstStyle/>
           <a:p>
             <a:r>
-              <a:rPr lang="en-US" dirty="0" smtClean="0"/>
+              <a:rPr lang="en-US" dirty="0"/>
               <a:t>PRE-REQ’S</a:t>
             </a:r>
-            <a:endParaRPr lang="en-US" dirty="0"/>
           </a:p>
         </p:txBody>
       </p:sp>
@@ -8238,63 +8551,41 @@
           <a:lstStyle/>
           <a:p>
             <a:r>
-              <a:rPr lang="en-US" dirty="0" smtClean="0"/>
+              <a:rPr lang="en-US" dirty="0"/>
               <a:t>AWS Account</a:t>
             </a:r>
           </a:p>
           <a:p>
             <a:r>
-              <a:rPr lang="en-US" dirty="0" smtClean="0"/>
+              <a:rPr lang="en-US" dirty="0"/>
               <a:t>CLI == Dashboard</a:t>
             </a:r>
           </a:p>
           <a:p>
             <a:pPr lvl="1"/>
             <a:r>
-              <a:rPr lang="en-US" dirty="0" smtClean="0"/>
+              <a:rPr lang="en-US" dirty="0"/>
               <a:t>Demo using dashboard, all commands available with CLI</a:t>
             </a:r>
-            <a:endParaRPr lang="en-US" dirty="0" smtClean="0"/>
-          </a:p>
-          <a:p>
-            <a:r>
-              <a:rPr lang="en-US" dirty="0" smtClean="0"/>
-              <a:t>CLI </a:t>
-            </a:r>
-            <a:r>
-              <a:rPr lang="en-US" dirty="0" smtClean="0"/>
-              <a:t>demo </a:t>
-            </a:r>
-            <a:r>
-              <a:rPr lang="en-US" dirty="0"/>
-              <a:t>at </a:t>
-            </a:r>
-            <a:r>
-              <a:rPr lang="en-US" dirty="0" smtClean="0">
-                <a:hlinkClick r:id="rId2"/>
-              </a:rPr>
-              <a:t>https:</a:t>
+          </a:p>
+          <a:p>
+            <a:r>
+              <a:rPr lang="en-US" dirty="0"/>
+              <a:t>CLI demo at </a:t>
             </a:r>
             <a:r>
               <a:rPr lang="en-US" dirty="0">
                 <a:hlinkClick r:id="rId2"/>
               </a:rPr>
-              <a:t>/</a:t>
-            </a:r>
-            <a:r>
-              <a:rPr lang="en-US" dirty="0" smtClean="0">
-                <a:hlinkClick r:id="rId2"/>
-              </a:rPr>
-              <a:t>/blog.chrismitchellonline.com</a:t>
-            </a:r>
-            <a:endParaRPr lang="en-US" dirty="0" smtClean="0"/>
-          </a:p>
-          <a:p>
-            <a:r>
-              <a:rPr lang="en-US" dirty="0" smtClean="0"/>
+              <a:t>https://blog.chrismitchellonline.com</a:t>
+            </a:r>
+            <a:endParaRPr lang="en-US" dirty="0"/>
+          </a:p>
+          <a:p>
+            <a:r>
+              <a:rPr lang="en-US" dirty="0"/>
               <a:t>Local development will require AWS CLI and SAM installed</a:t>
             </a:r>
-            <a:endParaRPr lang="en-US" dirty="0"/>
           </a:p>
         </p:txBody>
       </p:sp>
@@ -8302,6 +8593,130 @@
     <p:extLst>
       <p:ext uri="{BB962C8B-B14F-4D97-AF65-F5344CB8AC3E}">
         <p14:creationId xmlns:p14="http://schemas.microsoft.com/office/powerpoint/2010/main" val="16598045"/>
+      </p:ext>
+    </p:extLst>
+  </p:cSld>
+  <p:clrMapOvr>
+    <a:masterClrMapping/>
+  </p:clrMapOvr>
+</p:sld>
+</file>
+
+<file path=ppt/slides/slide30.xml><?xml version="1.0" encoding="utf-8"?>
+<p:sld xmlns:a="http://schemas.openxmlformats.org/drawingml/2006/main" xmlns:r="http://schemas.openxmlformats.org/officeDocument/2006/relationships" xmlns:p="http://schemas.openxmlformats.org/presentationml/2006/main">
+  <p:cSld>
+    <p:spTree>
+      <p:nvGrpSpPr>
+        <p:cNvPr id="1" name=""/>
+        <p:cNvGrpSpPr/>
+        <p:nvPr/>
+      </p:nvGrpSpPr>
+      <p:grpSpPr>
+        <a:xfrm>
+          <a:off x="0" y="0"/>
+          <a:ext cx="0" cy="0"/>
+          <a:chOff x="0" y="0"/>
+          <a:chExt cx="0" cy="0"/>
+        </a:xfrm>
+      </p:grpSpPr>
+      <p:sp>
+        <p:nvSpPr>
+          <p:cNvPr id="2" name="Title 1"/>
+          <p:cNvSpPr>
+            <a:spLocks noGrp="1"/>
+          </p:cNvSpPr>
+          <p:nvPr>
+            <p:ph type="title"/>
+          </p:nvPr>
+        </p:nvSpPr>
+        <p:spPr/>
+        <p:txBody>
+          <a:bodyPr/>
+          <a:lstStyle/>
+          <a:p>
+            <a:r>
+              <a:rPr lang="en-US" dirty="0"/>
+              <a:t>Thanks!</a:t>
+            </a:r>
+          </a:p>
+        </p:txBody>
+      </p:sp>
+      <p:sp>
+        <p:nvSpPr>
+          <p:cNvPr id="3" name="Content Placeholder 2"/>
+          <p:cNvSpPr>
+            <a:spLocks noGrp="1"/>
+          </p:cNvSpPr>
+          <p:nvPr>
+            <p:ph sz="quarter" idx="1"/>
+          </p:nvPr>
+        </p:nvSpPr>
+        <p:spPr/>
+        <p:txBody>
+          <a:bodyPr/>
+          <a:lstStyle/>
+          <a:p>
+            <a:r>
+              <a:rPr lang="en-US" dirty="0"/>
+              <a:t>Drop me a line:</a:t>
+            </a:r>
+          </a:p>
+          <a:p>
+            <a:pPr lvl="1"/>
+            <a:r>
+              <a:rPr lang="en-US" dirty="0" err="1"/>
+              <a:t>chris@chrismitchellonline.com</a:t>
+            </a:r>
+            <a:endParaRPr lang="en-US" dirty="0"/>
+          </a:p>
+          <a:p>
+            <a:pPr lvl="1"/>
+            <a:r>
+              <a:rPr lang="en-US" dirty="0"/>
+              <a:t>Twitter: @</a:t>
+            </a:r>
+            <a:r>
+              <a:rPr lang="en-US" dirty="0" err="1"/>
+              <a:t>motobreath</a:t>
+            </a:r>
+            <a:endParaRPr lang="en-US" dirty="0"/>
+          </a:p>
+          <a:p>
+            <a:pPr lvl="1"/>
+            <a:r>
+              <a:rPr lang="en-US" dirty="0" err="1"/>
+              <a:t>Github</a:t>
+            </a:r>
+            <a:r>
+              <a:rPr lang="en-US" dirty="0"/>
+              <a:t>: </a:t>
+            </a:r>
+            <a:r>
+              <a:rPr lang="en-US" dirty="0">
+                <a:hlinkClick r:id="rId2"/>
+              </a:rPr>
+              <a:t>https://www.github.com/motobreath</a:t>
+            </a:r>
+            <a:endParaRPr lang="en-US" dirty="0"/>
+          </a:p>
+          <a:p>
+            <a:pPr lvl="1"/>
+            <a:r>
+              <a:rPr lang="en-US" dirty="0"/>
+              <a:t>Blog: </a:t>
+            </a:r>
+            <a:r>
+              <a:rPr lang="en-US" dirty="0" err="1"/>
+              <a:t>blog.chrismitchellonline.com</a:t>
+            </a:r>
+            <a:endParaRPr lang="en-US" dirty="0"/>
+          </a:p>
+        </p:txBody>
+      </p:sp>
+    </p:spTree>
+    <p:extLst>
+      <p:ext uri="{BB962C8B-B14F-4D97-AF65-F5344CB8AC3E}">
+        <p14:creationId xmlns:p14="http://schemas.microsoft.com/office/powerpoint/2010/main" val="1189260993"/>
       </p:ext>
     </p:extLst>
   </p:cSld>
@@ -8344,10 +8759,9 @@
           <a:lstStyle/>
           <a:p>
             <a:r>
-              <a:rPr lang="en-US" dirty="0" smtClean="0"/>
+              <a:rPr lang="en-US" dirty="0"/>
               <a:t>What Is Lambda</a:t>
             </a:r>
-            <a:endParaRPr lang="en-US" dirty="0"/>
           </a:p>
         </p:txBody>
       </p:sp>
@@ -8367,7 +8781,7 @@
           <a:lstStyle/>
           <a:p>
             <a:r>
-              <a:rPr lang="en-US" dirty="0" smtClean="0"/>
+              <a:rPr lang="en-US" dirty="0"/>
               <a:t>Run code in the cloud</a:t>
             </a:r>
           </a:p>
@@ -8396,6 +8810,37 @@
               <a:rPr lang="nb-NO" dirty="0"/>
               <a:t> – 4.14.77-70.59.amzn1.x86_64</a:t>
             </a:r>
+          </a:p>
+          <a:p>
+            <a:r>
+              <a:rPr lang="nb-NO" dirty="0" err="1"/>
+              <a:t>Docker</a:t>
+            </a:r>
+            <a:r>
+              <a:rPr lang="nb-NO" dirty="0"/>
+              <a:t> container </a:t>
+            </a:r>
+            <a:r>
+              <a:rPr lang="nb-NO" dirty="0" err="1"/>
+              <a:t>the</a:t>
+            </a:r>
+            <a:r>
+              <a:rPr lang="nb-NO" dirty="0"/>
+              <a:t> </a:t>
+            </a:r>
+            <a:r>
+              <a:rPr lang="nb-NO" dirty="0" err="1"/>
+              <a:t>whole</a:t>
+            </a:r>
+            <a:r>
+              <a:rPr lang="nb-NO" dirty="0"/>
+              <a:t> </a:t>
+            </a:r>
+            <a:r>
+              <a:rPr lang="nb-NO" dirty="0" err="1"/>
+              <a:t>thing</a:t>
+            </a:r>
+            <a:endParaRPr lang="nb-NO" dirty="0"/>
           </a:p>
           <a:p>
             <a:endParaRPr lang="nb-NO" dirty="0"/>
@@ -8452,10 +8897,10 @@
             </a:endParaRPr>
           </a:p>
           <a:p>
-            <a:endParaRPr lang="en-US" dirty="0" smtClean="0"/>
-          </a:p>
-          <a:p>
-            <a:endParaRPr lang="en-US" dirty="0" smtClean="0"/>
+            <a:endParaRPr lang="en-US" dirty="0"/>
+          </a:p>
+          <a:p>
+            <a:endParaRPr lang="en-US" dirty="0"/>
           </a:p>
         </p:txBody>
       </p:sp>
@@ -8469,13 +8914,6 @@
   <p:clrMapOvr>
     <a:masterClrMapping/>
   </p:clrMapOvr>
-  <p:timing>
-    <p:tnLst>
-      <p:par>
-        <p:cTn xmlns:p14="http://schemas.microsoft.com/office/powerpoint/2010/main" id="1" dur="indefinite" restart="never" nodeType="tmRoot"/>
-      </p:par>
-    </p:tnLst>
-  </p:timing>
 </p:sld>
 </file>
 
@@ -8512,10 +8950,9 @@
           <a:lstStyle/>
           <a:p>
             <a:r>
-              <a:rPr lang="en-US" dirty="0" smtClean="0"/>
+              <a:rPr lang="en-US" dirty="0"/>
               <a:t>New Lambda Function</a:t>
             </a:r>
-            <a:endParaRPr lang="en-US" dirty="0"/>
           </a:p>
         </p:txBody>
       </p:sp>
@@ -8535,75 +8972,60 @@
           <a:lstStyle/>
           <a:p>
             <a:r>
-              <a:rPr lang="en-US" dirty="0" smtClean="0"/>
-              <a:t>Login </a:t>
-            </a:r>
-            <a:r>
-              <a:rPr lang="en-US" dirty="0"/>
-              <a:t>via </a:t>
+              <a:rPr lang="en-US" dirty="0"/>
+              <a:t>Login via </a:t>
             </a:r>
             <a:r>
               <a:rPr lang="en-US" dirty="0">
                 <a:hlinkClick r:id="rId2"/>
               </a:rPr>
-              <a:t>https://aws.amazon.com/console</a:t>
-            </a:r>
-            <a:r>
-              <a:rPr lang="en-US" dirty="0" smtClean="0">
-                <a:hlinkClick r:id="rId2"/>
-              </a:rPr>
-              <a:t>/</a:t>
-            </a:r>
-            <a:endParaRPr lang="en-US" dirty="0" smtClean="0"/>
-          </a:p>
-          <a:p>
-            <a:r>
-              <a:rPr lang="en-US" dirty="0" smtClean="0"/>
+              <a:t>https://aws.amazon.com/console/</a:t>
+            </a:r>
+            <a:endParaRPr lang="en-US" dirty="0"/>
+          </a:p>
+          <a:p>
+            <a:r>
+              <a:rPr lang="en-US" dirty="0"/>
               <a:t>Find Lambda Dashboard</a:t>
             </a:r>
           </a:p>
           <a:p>
             <a:pPr lvl="1"/>
             <a:r>
-              <a:rPr lang="en-US" dirty="0" smtClean="0"/>
+              <a:rPr lang="en-US" dirty="0"/>
               <a:t>Create new function</a:t>
             </a:r>
           </a:p>
           <a:p>
             <a:pPr lvl="1"/>
             <a:r>
-              <a:rPr lang="en-US" dirty="0" smtClean="0"/>
+              <a:rPr lang="en-US" dirty="0"/>
               <a:t>Use defaults, create new role for function</a:t>
             </a:r>
           </a:p>
           <a:p>
             <a:pPr lvl="1"/>
-            <a:endParaRPr lang="en-US" dirty="0" smtClean="0"/>
-          </a:p>
-          <a:p>
-            <a:r>
-              <a:rPr lang="en-US" dirty="0" smtClean="0"/>
+            <a:endParaRPr lang="en-US" dirty="0"/>
+          </a:p>
+          <a:p>
+            <a:r>
+              <a:rPr lang="en-US" dirty="0"/>
               <a:t>Roles</a:t>
             </a:r>
           </a:p>
           <a:p>
             <a:pPr lvl="1"/>
             <a:r>
-              <a:rPr lang="en-US" dirty="0" smtClean="0"/>
+              <a:rPr lang="en-US" dirty="0"/>
               <a:t>Create new role</a:t>
             </a:r>
           </a:p>
           <a:p>
             <a:pPr lvl="1"/>
             <a:r>
-              <a:rPr lang="en-US" dirty="0" smtClean="0"/>
-              <a:t>Existing </a:t>
-            </a:r>
-            <a:r>
-              <a:rPr lang="en-US" dirty="0" smtClean="0"/>
-              <a:t>roll</a:t>
-            </a:r>
-            <a:endParaRPr lang="en-US" dirty="0" smtClean="0"/>
+              <a:rPr lang="en-US" dirty="0"/>
+              <a:t>Existing roll</a:t>
+            </a:r>
           </a:p>
         </p:txBody>
       </p:sp>
@@ -8617,13 +9039,6 @@
   <p:clrMapOvr>
     <a:masterClrMapping/>
   </p:clrMapOvr>
-  <p:timing>
-    <p:tnLst>
-      <p:par>
-        <p:cTn xmlns:p14="http://schemas.microsoft.com/office/powerpoint/2010/main" id="1" dur="indefinite" restart="never" nodeType="tmRoot"/>
-      </p:par>
-    </p:tnLst>
-  </p:timing>
 </p:sld>
 </file>
 
@@ -8660,14 +9075,9 @@
           <a:lstStyle/>
           <a:p>
             <a:r>
-              <a:rPr lang="en-US" dirty="0" smtClean="0"/>
-              <a:t>Lambda </a:t>
-            </a:r>
-            <a:r>
-              <a:rPr lang="en-US" dirty="0" smtClean="0"/>
-              <a:t>Dashboard</a:t>
-            </a:r>
-            <a:endParaRPr lang="en-US" dirty="0"/>
+              <a:rPr lang="en-US" dirty="0"/>
+              <a:t>Lambda Dashboard</a:t>
+            </a:r>
           </a:p>
         </p:txBody>
       </p:sp>
@@ -8689,55 +9099,42 @@
           <a:lstStyle/>
           <a:p>
             <a:r>
-              <a:rPr lang="en-US" dirty="0" smtClean="0"/>
+              <a:rPr lang="en-US" dirty="0"/>
               <a:t>Designer Section</a:t>
             </a:r>
           </a:p>
           <a:p>
             <a:pPr lvl="1"/>
             <a:r>
-              <a:rPr lang="en-US" dirty="0" smtClean="0">
+              <a:rPr lang="en-US" dirty="0">
                 <a:solidFill>
                   <a:schemeClr val="tx1"/>
                 </a:solidFill>
               </a:rPr>
-              <a:t>Integrate Lambda, Layers, Logs, architect your </a:t>
-            </a:r>
-            <a:r>
-              <a:rPr lang="en-US" dirty="0" smtClean="0">
-                <a:solidFill>
-                  <a:schemeClr val="tx1"/>
-                </a:solidFill>
-              </a:rPr>
-              <a:t>function</a:t>
+              <a:t>Integrate Lambda, Layers, Logs, architect your function</a:t>
             </a:r>
           </a:p>
           <a:p>
             <a:pPr lvl="1"/>
             <a:r>
-              <a:rPr lang="en-US" dirty="0" smtClean="0">
+              <a:rPr lang="en-US" dirty="0">
                 <a:solidFill>
                   <a:schemeClr val="tx1"/>
                 </a:solidFill>
               </a:rPr>
               <a:t>Triggers (Event sources)</a:t>
             </a:r>
-            <a:endParaRPr lang="en-US" dirty="0" smtClean="0">
-              <a:solidFill>
-                <a:schemeClr val="tx1"/>
-              </a:solidFill>
-            </a:endParaRPr>
-          </a:p>
-          <a:p>
-            <a:r>
-              <a:rPr lang="en-US" dirty="0" smtClean="0"/>
+          </a:p>
+          <a:p>
+            <a:r>
+              <a:rPr lang="en-US" dirty="0"/>
               <a:t>Code</a:t>
             </a:r>
           </a:p>
           <a:p>
             <a:pPr lvl="1"/>
             <a:r>
-              <a:rPr lang="en-US" dirty="0" smtClean="0">
+              <a:rPr lang="en-US" dirty="0">
                 <a:solidFill>
                   <a:schemeClr val="tx1"/>
                 </a:solidFill>
@@ -8745,14 +9142,14 @@
               <a:t>Write code</a:t>
             </a:r>
             <a:r>
-              <a:rPr lang="mr-IN" dirty="0" smtClean="0">
+              <a:rPr lang="mr-IN" dirty="0">
                 <a:solidFill>
                   <a:schemeClr val="tx1"/>
                 </a:solidFill>
               </a:rPr>
               <a:t>…</a:t>
             </a:r>
-            <a:endParaRPr lang="en-US" dirty="0" smtClean="0">
+            <a:endParaRPr lang="en-US" dirty="0">
               <a:solidFill>
                 <a:schemeClr val="tx1"/>
               </a:solidFill>
@@ -8760,14 +9157,14 @@
           </a:p>
           <a:p>
             <a:r>
-              <a:rPr lang="en-US" dirty="0" smtClean="0"/>
+              <a:rPr lang="en-US" dirty="0"/>
               <a:t>Environment Variables</a:t>
             </a:r>
           </a:p>
           <a:p>
             <a:pPr lvl="1"/>
             <a:r>
-              <a:rPr lang="en-US" dirty="0" smtClean="0">
+              <a:rPr lang="en-US" dirty="0">
                 <a:solidFill>
                   <a:schemeClr val="tx1"/>
                 </a:solidFill>
@@ -8777,19 +9174,19 @@
           </a:p>
           <a:p>
             <a:r>
-              <a:rPr lang="en-US" dirty="0" smtClean="0"/>
+              <a:rPr lang="en-US" dirty="0"/>
               <a:t>Memory</a:t>
             </a:r>
           </a:p>
           <a:p>
             <a:r>
-              <a:rPr lang="en-US" dirty="0" smtClean="0"/>
+              <a:rPr lang="en-US" dirty="0"/>
               <a:t>Tagging</a:t>
             </a:r>
           </a:p>
           <a:p>
             <a:r>
-              <a:rPr lang="en-US" dirty="0" smtClean="0"/>
+              <a:rPr lang="en-US" dirty="0"/>
               <a:t>More..</a:t>
             </a:r>
           </a:p>
@@ -8814,13 +9211,6 @@
   <p:clrMapOvr>
     <a:masterClrMapping/>
   </p:clrMapOvr>
-  <p:timing>
-    <p:tnLst>
-      <p:par>
-        <p:cTn xmlns:p14="http://schemas.microsoft.com/office/powerpoint/2010/main" id="1" dur="indefinite" restart="never" nodeType="tmRoot"/>
-      </p:par>
-    </p:tnLst>
-  </p:timing>
 </p:sld>
 </file>
 
@@ -8857,10 +9247,9 @@
           <a:lstStyle/>
           <a:p>
             <a:r>
-              <a:rPr lang="en-US" dirty="0" smtClean="0"/>
+              <a:rPr lang="en-US" dirty="0"/>
               <a:t>Testing Functions</a:t>
             </a:r>
-            <a:endParaRPr lang="en-US" dirty="0"/>
           </a:p>
         </p:txBody>
       </p:sp>
@@ -8898,30 +9287,30 @@
             </a:r>
           </a:p>
           <a:p>
-            <a:endParaRPr lang="en-US" dirty="0" smtClean="0"/>
-          </a:p>
-          <a:p>
-            <a:r>
-              <a:rPr lang="en-US" dirty="0" smtClean="0"/>
+            <a:endParaRPr lang="en-US" dirty="0"/>
+          </a:p>
+          <a:p>
+            <a:r>
+              <a:rPr lang="en-US" dirty="0"/>
               <a:t>Configure test events and test function</a:t>
             </a:r>
           </a:p>
           <a:p>
             <a:pPr lvl="1"/>
             <a:r>
-              <a:rPr lang="en-US" dirty="0" smtClean="0"/>
+              <a:rPr lang="en-US" dirty="0"/>
               <a:t>Create test events to run your function in the dashboard</a:t>
             </a:r>
           </a:p>
           <a:p>
             <a:pPr lvl="1"/>
             <a:r>
-              <a:rPr lang="en-US" dirty="0" smtClean="0"/>
+              <a:rPr lang="en-US" dirty="0"/>
               <a:t>Essentially a “run your code” trigger</a:t>
             </a:r>
           </a:p>
           <a:p>
-            <a:endParaRPr lang="en-US" dirty="0" smtClean="0"/>
+            <a:endParaRPr lang="en-US" dirty="0"/>
           </a:p>
           <a:p>
             <a:endParaRPr lang="en-US" dirty="0"/>
@@ -8974,10 +9363,9 @@
           <a:lstStyle/>
           <a:p>
             <a:r>
-              <a:rPr lang="en-US" dirty="0" smtClean="0"/>
+              <a:rPr lang="en-US" dirty="0"/>
               <a:t>Demo</a:t>
             </a:r>
-            <a:endParaRPr lang="en-US" dirty="0"/>
           </a:p>
         </p:txBody>
       </p:sp>
@@ -8997,22 +9385,21 @@
           <a:lstStyle/>
           <a:p>
             <a:r>
-              <a:rPr lang="en-US" dirty="0" smtClean="0"/>
+              <a:rPr lang="en-US" dirty="0"/>
               <a:t>Enough talk, lets setup a function and see a dashboard</a:t>
             </a:r>
           </a:p>
           <a:p>
             <a:r>
-              <a:rPr lang="en-US" dirty="0" smtClean="0"/>
+              <a:rPr lang="en-US" dirty="0"/>
               <a:t>Setup a test event</a:t>
             </a:r>
           </a:p>
           <a:p>
             <a:r>
-              <a:rPr lang="en-US" dirty="0" smtClean="0"/>
+              <a:rPr lang="en-US" dirty="0"/>
               <a:t>Run code!</a:t>
             </a:r>
-            <a:endParaRPr lang="en-US" dirty="0"/>
           </a:p>
         </p:txBody>
       </p:sp>
@@ -9064,10 +9451,9 @@
           <a:lstStyle/>
           <a:p>
             <a:r>
-              <a:rPr lang="en-US" dirty="0" smtClean="0"/>
+              <a:rPr lang="en-US" dirty="0"/>
               <a:t>Versioning</a:t>
             </a:r>
-            <a:endParaRPr lang="en-US" dirty="0"/>
           </a:p>
         </p:txBody>
       </p:sp>
@@ -9087,31 +9473,15 @@
           <a:lstStyle/>
           <a:p>
             <a:r>
-              <a:rPr lang="en-US" dirty="0" smtClean="0"/>
-              <a:t>Multiple </a:t>
-            </a:r>
-            <a:r>
-              <a:rPr lang="en-US" dirty="0" smtClean="0"/>
-              <a:t>versions of Lambda </a:t>
-            </a:r>
-            <a:r>
-              <a:rPr lang="en-US" dirty="0" smtClean="0"/>
-              <a:t>code</a:t>
+              <a:rPr lang="en-US" dirty="0"/>
+              <a:t>Multiple versions of Lambda code</a:t>
             </a:r>
           </a:p>
           <a:p>
             <a:pPr lvl="1"/>
             <a:r>
-              <a:rPr lang="en-US" dirty="0" smtClean="0"/>
-              <a:t>Separate </a:t>
-            </a:r>
-            <a:r>
-              <a:rPr lang="en-US" dirty="0" smtClean="0"/>
-              <a:t>DEV/ACC/Prod </a:t>
-            </a:r>
-            <a:r>
-              <a:rPr lang="en-US" dirty="0" smtClean="0"/>
-              <a:t>environment</a:t>
+              <a:rPr lang="en-US" dirty="0"/>
+              <a:t>Separate DEV/ACC/Prod environment</a:t>
             </a:r>
           </a:p>
           <a:p>
@@ -9129,16 +9499,15 @@
           </a:p>
           <a:p>
             <a:r>
-              <a:rPr lang="en-US" dirty="0" smtClean="0"/>
+              <a:rPr lang="en-US" dirty="0"/>
               <a:t>Versioning locks in function settings, unable to change code</a:t>
             </a:r>
           </a:p>
           <a:p>
             <a:r>
-              <a:rPr lang="en-US" dirty="0" smtClean="0"/>
+              <a:rPr lang="en-US" dirty="0"/>
               <a:t>Must change things like memory and environment at root function level</a:t>
             </a:r>
-            <a:endParaRPr lang="en-US" dirty="0" smtClean="0"/>
           </a:p>
         </p:txBody>
       </p:sp>
